--- a/2021 01 tanggal 23 -24/Bahasa Sunda.pptx
+++ b/2021 01 tanggal 23 -24/Bahasa Sunda.pptx
@@ -66,25 +66,25 @@
   <p:notesSz cx="6858000" cy="9144000"/>
   <p:embeddedFontLst>
     <p:embeddedFont>
-      <p:font typeface="Holtwood One SC" panose="020B0604020202020204" charset="0"/>
-      <p:regular r:id="rId56"/>
-    </p:embeddedFont>
-    <p:embeddedFont>
       <p:font typeface="Berlin Sans FB Demi" panose="020E0802020502020306" pitchFamily="34" charset="0"/>
-      <p:bold r:id="rId57"/>
+      <p:bold r:id="rId56"/>
     </p:embeddedFont>
     <p:embeddedFont>
       <p:font typeface="Comfortaa" panose="020B0604020202020204" charset="0"/>
-      <p:regular r:id="rId58"/>
-      <p:bold r:id="rId59"/>
+      <p:regular r:id="rId57"/>
+      <p:bold r:id="rId58"/>
+    </p:embeddedFont>
+    <p:embeddedFont>
+      <p:font typeface="Fredoka One" panose="020B0604020202020204" charset="0"/>
+      <p:regular r:id="rId59"/>
+    </p:embeddedFont>
+    <p:embeddedFont>
+      <p:font typeface="Holtwood One SC" panose="020B0604020202020204" charset="0"/>
+      <p:regular r:id="rId60"/>
     </p:embeddedFont>
     <p:embeddedFont>
       <p:font typeface="Arial Black" panose="020B0A04020102020204" pitchFamily="34" charset="0"/>
-      <p:bold r:id="rId60"/>
-    </p:embeddedFont>
-    <p:embeddedFont>
-      <p:font typeface="Fredoka One" panose="020B0604020202020204" charset="0"/>
-      <p:regular r:id="rId61"/>
+      <p:bold r:id="rId61"/>
     </p:embeddedFont>
   </p:embeddedFontLst>
   <p:defaultTextStyle>
@@ -15912,17 +15912,6 @@
               </a:rPr>
               <a:t> </a:t>
             </a:r>
-            <a:r>
-              <a:rPr lang="en" sz="5400" dirty="0" smtClean="0">
-                <a:solidFill>
-                  <a:schemeClr val="tx1">
-                    <a:lumMod val="50000"/>
-                  </a:schemeClr>
-                </a:solidFill>
-                <a:latin typeface="Berlin Sans FB Demi" panose="020E0802020502020306" pitchFamily="34" charset="0"/>
-              </a:rPr>
-              <a:t/>
-            </a:r>
             <a:br>
               <a:rPr lang="en" sz="5400" dirty="0" smtClean="0">
                 <a:solidFill>
@@ -16031,29 +16020,7 @@
                 </a:solidFill>
                 <a:latin typeface="Fredoka One" panose="020B0604020202020204" charset="0"/>
               </a:rPr>
-              <a:t>Minggu, </a:t>
-            </a:r>
-            <a:r>
-              <a:rPr lang="en" sz="2400" b="1" dirty="0" smtClean="0">
-                <a:solidFill>
-                  <a:schemeClr val="tx1">
-                    <a:lumMod val="50000"/>
-                  </a:schemeClr>
-                </a:solidFill>
-                <a:latin typeface="Fredoka One" panose="020B0604020202020204" charset="0"/>
-              </a:rPr>
-              <a:t>24 </a:t>
-            </a:r>
-            <a:r>
-              <a:rPr lang="en" sz="2400" b="1" dirty="0" smtClean="0">
-                <a:solidFill>
-                  <a:schemeClr val="tx1">
-                    <a:lumMod val="50000"/>
-                  </a:schemeClr>
-                </a:solidFill>
-                <a:latin typeface="Fredoka One" panose="020B0604020202020204" charset="0"/>
-              </a:rPr>
-              <a:t>Januari 2021</a:t>
+              <a:t>Minggu, 24 Januari 2021</a:t>
             </a:r>
             <a:endParaRPr sz="2400" b="1" dirty="0">
               <a:solidFill>
@@ -18052,8 +18019,8 @@
         </p:nvSpPr>
         <p:spPr>
           <a:xfrm>
-            <a:off x="355976" y="1600200"/>
-            <a:ext cx="8561511" cy="3427901"/>
+            <a:off x="355976" y="1040258"/>
+            <a:ext cx="8561511" cy="3987843"/>
           </a:xfrm>
           <a:prstGeom prst="rect">
             <a:avLst/>
@@ -18321,7 +18288,7 @@
               </a:spcAft>
             </a:pPr>
             <a:r>
-              <a:rPr lang="id-ID" sz="3600" dirty="0" smtClean="0">
+              <a:rPr lang="id-ID" sz="4400" dirty="0" smtClean="0">
                 <a:solidFill>
                   <a:schemeClr val="accent4"/>
                 </a:solidFill>
@@ -18330,7 +18297,7 @@
               <a:t>Kamuliaan </a:t>
             </a:r>
             <a:r>
-              <a:rPr lang="id-ID" sz="3600" dirty="0">
+              <a:rPr lang="id-ID" sz="4400" dirty="0">
                 <a:solidFill>
                   <a:schemeClr val="accent4"/>
                 </a:solidFill>
@@ -18339,7 +18306,7 @@
               <a:t>ka Gusti Allah di Sawarga, sareng di dunya, katengtreman </a:t>
             </a:r>
             <a:r>
-              <a:rPr lang="id-ID" sz="3600" dirty="0" smtClean="0">
+              <a:rPr lang="id-ID" sz="4400" dirty="0" smtClean="0">
                 <a:solidFill>
                   <a:schemeClr val="accent4"/>
                 </a:solidFill>
@@ -18348,7 +18315,7 @@
               <a:t>ka </a:t>
             </a:r>
             <a:r>
-              <a:rPr lang="id-ID" sz="3600" dirty="0">
+              <a:rPr lang="id-ID" sz="4400" dirty="0">
                 <a:solidFill>
                   <a:schemeClr val="accent4"/>
                 </a:solidFill>
@@ -18356,7 +18323,7 @@
               </a:rPr>
               <a:t>jalmi-jalmi anu garaduh maksad saé.</a:t>
             </a:r>
-            <a:endParaRPr lang="en-US" sz="3600" dirty="0">
+            <a:endParaRPr lang="en-US" sz="4400" dirty="0">
               <a:solidFill>
                 <a:schemeClr val="accent4"/>
               </a:solidFill>
@@ -18369,7 +18336,7 @@
                 <a:spcPts val="1200"/>
               </a:spcAft>
             </a:pPr>
-            <a:endParaRPr lang="en-US" sz="3600" dirty="0">
+            <a:endParaRPr lang="en-US" sz="4400" dirty="0">
               <a:solidFill>
                 <a:schemeClr val="accent4"/>
               </a:solidFill>
@@ -18425,8 +18392,8 @@
         </p:nvSpPr>
         <p:spPr>
           <a:xfrm>
-            <a:off x="387876" y="1040218"/>
-            <a:ext cx="8561511" cy="3219450"/>
+            <a:off x="387876" y="680483"/>
+            <a:ext cx="8561511" cy="4253023"/>
           </a:xfrm>
           <a:prstGeom prst="rect">
             <a:avLst/>
@@ -18690,7 +18657,7 @@
           <a:p>
             <a:pPr marL="0" indent="0"/>
             <a:r>
-              <a:rPr lang="id-ID" sz="3600" dirty="0" smtClean="0">
+              <a:rPr lang="id-ID" sz="4400" dirty="0" smtClean="0">
                 <a:solidFill>
                   <a:schemeClr val="accent4"/>
                 </a:solidFill>
@@ -18699,7 +18666,7 @@
               <a:t>Abdi </a:t>
             </a:r>
             <a:r>
-              <a:rPr lang="id-ID" sz="3600" dirty="0">
+              <a:rPr lang="id-ID" sz="4400" dirty="0">
                 <a:solidFill>
                   <a:schemeClr val="accent4"/>
                 </a:solidFill>
@@ -18707,7 +18674,7 @@
               </a:rPr>
               <a:t>sadaya mumuji Gusti,   </a:t>
             </a:r>
-            <a:endParaRPr lang="en-US" sz="3600" dirty="0">
+            <a:endParaRPr lang="en-US" sz="4400" dirty="0">
               <a:solidFill>
                 <a:schemeClr val="accent4"/>
               </a:solidFill>
@@ -18717,7 +18684,7 @@
           <a:p>
             <a:pPr marL="0" indent="0"/>
             <a:r>
-              <a:rPr lang="id-ID" sz="3600" dirty="0">
+              <a:rPr lang="id-ID" sz="4400" dirty="0">
                 <a:solidFill>
                   <a:schemeClr val="accent4"/>
                 </a:solidFill>
@@ -18726,7 +18693,7 @@
               <a:t>abdi sadaya ngamuliakeun Gusti, abdi sadaya mumuja</a:t>
             </a:r>
             <a:r>
-              <a:rPr lang="en-ID" sz="3600" dirty="0">
+              <a:rPr lang="en-ID" sz="4400" dirty="0">
                 <a:solidFill>
                   <a:schemeClr val="accent4"/>
                 </a:solidFill>
@@ -18735,7 +18702,7 @@
               <a:t> </a:t>
             </a:r>
             <a:r>
-              <a:rPr lang="id-ID" sz="3600" dirty="0">
+              <a:rPr lang="id-ID" sz="4400" dirty="0">
                 <a:solidFill>
                   <a:schemeClr val="accent4"/>
                 </a:solidFill>
@@ -18743,7 +18710,7 @@
               </a:rPr>
               <a:t>Gusti, abdi sadaya ngagungkeun Gusti, </a:t>
             </a:r>
-            <a:endParaRPr lang="en-US" sz="3600" dirty="0">
+            <a:endParaRPr lang="en-US" sz="4400" dirty="0">
               <a:solidFill>
                 <a:schemeClr val="accent4"/>
               </a:solidFill>
@@ -18757,7 +18724,7 @@
               </a:spcAft>
             </a:pPr>
             <a:r>
-              <a:rPr lang="en-US" sz="3600" dirty="0">
+              <a:rPr lang="en-US" sz="4400" dirty="0">
                 <a:solidFill>
                   <a:schemeClr val="accent4"/>
                 </a:solidFill>
@@ -18815,8 +18782,8 @@
         </p:nvSpPr>
         <p:spPr>
           <a:xfrm>
-            <a:off x="377244" y="508629"/>
-            <a:ext cx="8561511" cy="3340357"/>
+            <a:off x="377244" y="329609"/>
+            <a:ext cx="8561511" cy="4688958"/>
           </a:xfrm>
           <a:prstGeom prst="rect">
             <a:avLst/>
@@ -19080,7 +19047,7 @@
           <a:p>
             <a:pPr marL="0" indent="0"/>
             <a:r>
-              <a:rPr lang="id-ID" sz="3600" dirty="0" smtClean="0">
+              <a:rPr lang="id-ID" sz="4400" dirty="0" smtClean="0">
                 <a:solidFill>
                   <a:schemeClr val="accent4"/>
                 </a:solidFill>
@@ -19089,7 +19056,7 @@
               <a:t>abdi </a:t>
             </a:r>
             <a:r>
-              <a:rPr lang="id-ID" sz="3600" dirty="0">
+              <a:rPr lang="id-ID" sz="4400" dirty="0">
                 <a:solidFill>
                   <a:schemeClr val="accent4"/>
                 </a:solidFill>
@@ -19098,7 +19065,7 @@
               <a:t>sadaya miunjuk sukur ka Gusti, </a:t>
             </a:r>
             <a:r>
-              <a:rPr lang="id-ID" sz="3600" dirty="0" smtClean="0">
+              <a:rPr lang="id-ID" sz="4400" dirty="0" smtClean="0">
                 <a:solidFill>
                   <a:schemeClr val="accent4"/>
                 </a:solidFill>
@@ -19107,7 +19074,7 @@
               <a:t>margi </a:t>
             </a:r>
             <a:r>
-              <a:rPr lang="id-ID" sz="3600" dirty="0">
+              <a:rPr lang="id-ID" sz="4400" dirty="0">
                 <a:solidFill>
                   <a:schemeClr val="accent4"/>
                 </a:solidFill>
@@ -19116,7 +19083,7 @@
               <a:t>kamuliaan Gusti nu agung</a:t>
             </a:r>
             <a:r>
-              <a:rPr lang="id-ID" sz="3600" dirty="0" smtClean="0">
+              <a:rPr lang="id-ID" sz="4400" dirty="0" smtClean="0">
                 <a:solidFill>
                   <a:schemeClr val="accent4"/>
                 </a:solidFill>
@@ -19125,7 +19092,7 @@
               <a:t>,</a:t>
             </a:r>
             <a:r>
-              <a:rPr lang="id-ID" sz="3600" dirty="0">
+              <a:rPr lang="id-ID" sz="4400" dirty="0">
                 <a:solidFill>
                   <a:schemeClr val="accent4"/>
                 </a:solidFill>
@@ -19134,7 +19101,7 @@
               <a:t> nun Gusti Pangeran Allah, Raja Surgawi, </a:t>
             </a:r>
             <a:r>
-              <a:rPr lang="id-ID" sz="3600" dirty="0" smtClean="0">
+              <a:rPr lang="id-ID" sz="4400" dirty="0" smtClean="0">
                 <a:solidFill>
                   <a:schemeClr val="accent4"/>
                 </a:solidFill>
@@ -19143,7 +19110,7 @@
               <a:t>nun </a:t>
             </a:r>
             <a:r>
-              <a:rPr lang="id-ID" sz="3600" dirty="0">
+              <a:rPr lang="id-ID" sz="4400" dirty="0">
                 <a:solidFill>
                   <a:schemeClr val="accent4"/>
                 </a:solidFill>
@@ -19151,7 +19118,7 @@
               </a:rPr>
               <a:t>Allah, Rama nu Mahakawasa.</a:t>
             </a:r>
-            <a:endParaRPr lang="en-US" sz="3600" dirty="0">
+            <a:endParaRPr lang="en-US" sz="4400" dirty="0">
               <a:solidFill>
                 <a:schemeClr val="accent4"/>
               </a:solidFill>
@@ -19161,7 +19128,7 @@
           <a:p>
             <a:pPr marL="0" indent="0"/>
             <a:r>
-              <a:rPr lang="id-ID" sz="3600" dirty="0" smtClean="0">
+              <a:rPr lang="id-ID" sz="4400" dirty="0" smtClean="0">
                 <a:solidFill>
                   <a:schemeClr val="accent4"/>
                 </a:solidFill>
@@ -19169,7 +19136,7 @@
               </a:rPr>
               <a:t> </a:t>
             </a:r>
-            <a:endParaRPr lang="en-US" sz="3600" dirty="0">
+            <a:endParaRPr lang="en-US" sz="4400" dirty="0">
               <a:solidFill>
                 <a:schemeClr val="accent4"/>
               </a:solidFill>
@@ -19225,8 +19192,8 @@
         </p:nvSpPr>
         <p:spPr>
           <a:xfrm>
-            <a:off x="302816" y="1050889"/>
-            <a:ext cx="8561511" cy="3052179"/>
+            <a:off x="302816" y="499731"/>
+            <a:ext cx="8561511" cy="4391246"/>
           </a:xfrm>
           <a:prstGeom prst="rect">
             <a:avLst/>
@@ -19490,7 +19457,7 @@
           <a:p>
             <a:pPr marL="0" indent="0"/>
             <a:r>
-              <a:rPr lang="id-ID" sz="3600" dirty="0" smtClean="0">
+              <a:rPr lang="id-ID" sz="4400" dirty="0" smtClean="0">
                 <a:solidFill>
                   <a:schemeClr val="accent4"/>
                 </a:solidFill>
@@ -19499,7 +19466,7 @@
               <a:t>Nun </a:t>
             </a:r>
             <a:r>
-              <a:rPr lang="id-ID" sz="3600" dirty="0">
+              <a:rPr lang="id-ID" sz="4400" dirty="0">
                 <a:solidFill>
                   <a:schemeClr val="accent4"/>
                 </a:solidFill>
@@ -19508,7 +19475,7 @@
               <a:t>Gusti Pangeran Yesus Kristus,</a:t>
             </a:r>
             <a:r>
-              <a:rPr lang="en-US" sz="3600" dirty="0">
+              <a:rPr lang="en-US" sz="4400" dirty="0">
                 <a:solidFill>
                   <a:schemeClr val="accent4"/>
                 </a:solidFill>
@@ -19517,7 +19484,7 @@
               <a:t> P</a:t>
             </a:r>
             <a:r>
-              <a:rPr lang="id-ID" sz="3600" dirty="0">
+              <a:rPr lang="id-ID" sz="4400" dirty="0">
                 <a:solidFill>
                   <a:schemeClr val="accent4"/>
                 </a:solidFill>
@@ -19525,7 +19492,7 @@
               </a:rPr>
               <a:t>utra Nu Tunggal,  nun Gusti Pangeran Allah, Anak Domba Allah, Putra Jeng Rama,  </a:t>
             </a:r>
-            <a:endParaRPr lang="en-US" sz="3600" dirty="0">
+            <a:endParaRPr lang="en-US" sz="4400" dirty="0">
               <a:solidFill>
                 <a:schemeClr val="accent4"/>
               </a:solidFill>
@@ -19581,8 +19548,8 @@
         </p:nvSpPr>
         <p:spPr>
           <a:xfrm>
-            <a:off x="377243" y="944564"/>
-            <a:ext cx="8561511" cy="3684586"/>
+            <a:off x="0" y="318977"/>
+            <a:ext cx="9143999" cy="4310173"/>
           </a:xfrm>
           <a:prstGeom prst="rect">
             <a:avLst/>
@@ -19850,7 +19817,7 @@
               </a:spcAft>
             </a:pPr>
             <a:r>
-              <a:rPr lang="id-ID" sz="3600" dirty="0">
+              <a:rPr lang="id-ID" sz="4400" dirty="0">
                 <a:solidFill>
                   <a:schemeClr val="accent4"/>
                 </a:solidFill>
@@ -19858,7 +19825,79 @@
               </a:rPr>
               <a:t>Gusti munah dosa-dosa dunya, </a:t>
             </a:r>
-            <a:endParaRPr lang="en-US" sz="3600" dirty="0">
+            <a:r>
+              <a:rPr lang="id-ID" sz="4400" dirty="0" smtClean="0">
+                <a:solidFill>
+                  <a:schemeClr val="accent4"/>
+                </a:solidFill>
+                <a:latin typeface="Arial Black" panose="020B0A04020102020204" pitchFamily="34" charset="0"/>
+              </a:rPr>
+              <a:t>mugi </a:t>
+            </a:r>
+            <a:r>
+              <a:rPr lang="id-ID" sz="4400" dirty="0">
+                <a:solidFill>
+                  <a:schemeClr val="accent4"/>
+                </a:solidFill>
+                <a:latin typeface="Arial Black" panose="020B0A04020102020204" pitchFamily="34" charset="0"/>
+              </a:rPr>
+              <a:t>mikawelas ka abdi </a:t>
+            </a:r>
+            <a:r>
+              <a:rPr lang="id-ID" sz="4400" dirty="0" smtClean="0">
+                <a:solidFill>
+                  <a:schemeClr val="accent4"/>
+                </a:solidFill>
+                <a:latin typeface="Arial Black" panose="020B0A04020102020204" pitchFamily="34" charset="0"/>
+              </a:rPr>
+              <a:t>sadaya</a:t>
+            </a:r>
+            <a:r>
+              <a:rPr lang="en-US" sz="4400" dirty="0">
+                <a:solidFill>
+                  <a:schemeClr val="accent4"/>
+                </a:solidFill>
+                <a:latin typeface="Arial Black" panose="020B0A04020102020204" pitchFamily="34" charset="0"/>
+              </a:rPr>
+              <a:t> </a:t>
+            </a:r>
+            <a:r>
+              <a:rPr lang="id-ID" sz="4400" dirty="0">
+                <a:solidFill>
+                  <a:schemeClr val="accent4"/>
+                </a:solidFill>
+                <a:latin typeface="Arial Black" panose="020B0A04020102020204" pitchFamily="34" charset="0"/>
+              </a:rPr>
+              <a:t>Gusti nu </a:t>
+            </a:r>
+            <a:r>
+              <a:rPr lang="en-ID" sz="4400" dirty="0" smtClean="0">
+                <a:solidFill>
+                  <a:schemeClr val="accent4"/>
+                </a:solidFill>
+                <a:latin typeface="Arial Black" panose="020B0A04020102020204" pitchFamily="34" charset="0"/>
+              </a:rPr>
+              <a:t>m</a:t>
+            </a:r>
+            <a:r>
+              <a:rPr lang="id-ID" sz="4400" dirty="0" smtClean="0">
+                <a:solidFill>
+                  <a:schemeClr val="accent4"/>
+                </a:solidFill>
+                <a:latin typeface="Arial Black" panose="020B0A04020102020204" pitchFamily="34" charset="0"/>
+              </a:rPr>
+              <a:t>unah </a:t>
+            </a:r>
+            <a:r>
+              <a:rPr lang="id-ID" sz="4400" dirty="0">
+                <a:solidFill>
+                  <a:schemeClr val="accent4"/>
+                </a:solidFill>
+                <a:latin typeface="Arial Black" panose="020B0A04020102020204" pitchFamily="34" charset="0"/>
+              </a:rPr>
+              <a:t>dosa-dosa dunya, </a:t>
+            </a:r>
+            <a:endParaRPr lang="en-US" sz="4400" dirty="0">
               <a:solidFill>
                 <a:schemeClr val="accent4"/>
               </a:solidFill>
@@ -19868,52 +19907,7 @@
           <a:p>
             <a:pPr marL="0" indent="0"/>
             <a:r>
-              <a:rPr lang="id-ID" sz="3600" dirty="0">
-                <a:solidFill>
-                  <a:schemeClr val="accent4"/>
-                </a:solidFill>
-                <a:latin typeface="Arial Black" panose="020B0A04020102020204" pitchFamily="34" charset="0"/>
-              </a:rPr>
-              <a:t>mugi mikawelas ka abdi </a:t>
-            </a:r>
-            <a:r>
-              <a:rPr lang="id-ID" sz="3600" dirty="0" smtClean="0">
-                <a:solidFill>
-                  <a:schemeClr val="accent4"/>
-                </a:solidFill>
-                <a:latin typeface="Arial Black" panose="020B0A04020102020204" pitchFamily="34" charset="0"/>
-              </a:rPr>
-              <a:t>sadaya</a:t>
-            </a:r>
-            <a:r>
-              <a:rPr lang="en-US" sz="3600" dirty="0">
-                <a:solidFill>
-                  <a:schemeClr val="accent4"/>
-                </a:solidFill>
-                <a:latin typeface="Arial Black" panose="020B0A04020102020204" pitchFamily="34" charset="0"/>
-              </a:rPr>
-              <a:t> </a:t>
-            </a:r>
-            <a:r>
-              <a:rPr lang="id-ID" sz="3600" dirty="0">
-                <a:solidFill>
-                  <a:schemeClr val="accent4"/>
-                </a:solidFill>
-                <a:latin typeface="Arial Black" panose="020B0A04020102020204" pitchFamily="34" charset="0"/>
-              </a:rPr>
-              <a:t>Gusti nu munah dosa-dosa dunya, </a:t>
-            </a:r>
-            <a:endParaRPr lang="en-US" sz="3600" dirty="0">
-              <a:solidFill>
-                <a:schemeClr val="accent4"/>
-              </a:solidFill>
-              <a:latin typeface="Arial Black" panose="020B0A04020102020204" pitchFamily="34" charset="0"/>
-            </a:endParaRPr>
-          </a:p>
-          <a:p>
-            <a:pPr marL="0" indent="0"/>
-            <a:r>
-              <a:rPr lang="id-ID" sz="3600" dirty="0">
+              <a:rPr lang="id-ID" sz="4400" dirty="0">
                 <a:solidFill>
                   <a:schemeClr val="accent4"/>
                 </a:solidFill>
@@ -19921,7 +19915,7 @@
               </a:rPr>
               <a:t>mugi tampi doa abdi sadaya</a:t>
             </a:r>
-            <a:endParaRPr lang="en-US" sz="3600" dirty="0">
+            <a:endParaRPr lang="en-US" sz="4400" dirty="0">
               <a:solidFill>
                 <a:schemeClr val="accent4"/>
               </a:solidFill>
@@ -19934,7 +19928,7 @@
                 <a:spcPts val="1200"/>
               </a:spcAft>
             </a:pPr>
-            <a:endParaRPr lang="en-US" sz="3600" dirty="0">
+            <a:endParaRPr lang="en-US" sz="4400" dirty="0">
               <a:solidFill>
                 <a:schemeClr val="accent4"/>
               </a:solidFill>
@@ -19992,8 +19986,8 @@
         </p:nvSpPr>
         <p:spPr>
           <a:xfrm>
-            <a:off x="590550" y="876300"/>
-            <a:ext cx="7829550" cy="3162300"/>
+            <a:off x="590550" y="510363"/>
+            <a:ext cx="7829550" cy="4316818"/>
           </a:xfrm>
         </p:spPr>
         <p:txBody>
@@ -20004,7 +19998,7 @@
               <a:buNone/>
             </a:pPr>
             <a:r>
-              <a:rPr lang="id-ID" sz="3600" dirty="0">
+              <a:rPr lang="id-ID" sz="4400" dirty="0">
                 <a:latin typeface="Arial Black" panose="020B0A04020102020204" pitchFamily="34" charset="0"/>
                 <a:ea typeface="Fredoka One"/>
                 <a:cs typeface="Fredoka One"/>
@@ -20012,7 +20006,7 @@
               </a:rPr>
               <a:t>Gusti linggih di tengeneun Rama, mugi mikawelas ka abdi sadaya. Margi mung Gusti Sawijining</a:t>
             </a:r>
-            <a:endParaRPr lang="en-US" sz="3600" dirty="0">
+            <a:endParaRPr lang="en-US" sz="4400" dirty="0">
               <a:latin typeface="Arial Black" panose="020B0A04020102020204" pitchFamily="34" charset="0"/>
               <a:ea typeface="Fredoka One"/>
               <a:cs typeface="Fredoka One"/>
@@ -20024,7 +20018,7 @@
               <a:buNone/>
             </a:pPr>
             <a:r>
-              <a:rPr lang="id-ID" sz="3600" dirty="0">
+              <a:rPr lang="id-ID" sz="4400" dirty="0">
                 <a:latin typeface="Arial Black" panose="020B0A04020102020204" pitchFamily="34" charset="0"/>
                 <a:ea typeface="Fredoka One"/>
                 <a:cs typeface="Fredoka One"/>
@@ -20032,7 +20026,7 @@
               </a:rPr>
               <a:t>Gusti Nu Suci,</a:t>
             </a:r>
-            <a:endParaRPr lang="en-US" sz="3600" dirty="0">
+            <a:endParaRPr lang="en-US" sz="4400" dirty="0">
               <a:latin typeface="Arial Black" panose="020B0A04020102020204" pitchFamily="34" charset="0"/>
               <a:ea typeface="Fredoka One"/>
               <a:cs typeface="Fredoka One"/>
@@ -20040,7 +20034,7 @@
             </a:endParaRPr>
           </a:p>
           <a:p>
-            <a:endParaRPr lang="en-US" sz="3600" dirty="0">
+            <a:endParaRPr lang="en-US" sz="4400" dirty="0">
               <a:latin typeface="Arial Black" panose="020B0A04020102020204" pitchFamily="34" charset="0"/>
               <a:ea typeface="Fredoka One"/>
               <a:cs typeface="Fredoka One"/>
@@ -20098,8 +20092,8 @@
         </p:nvSpPr>
         <p:spPr>
           <a:xfrm>
-            <a:off x="590550" y="876299"/>
-            <a:ext cx="7829550" cy="3493681"/>
+            <a:off x="244549" y="510363"/>
+            <a:ext cx="8548577" cy="4338084"/>
           </a:xfrm>
         </p:spPr>
         <p:txBody>
@@ -20110,14 +20104,78 @@
               <a:buNone/>
             </a:pPr>
             <a:r>
-              <a:rPr lang="id-ID" sz="3600" dirty="0">
+              <a:rPr lang="id-ID" sz="4400" dirty="0">
                 <a:latin typeface="Arial Black" panose="020B0A04020102020204" pitchFamily="34" charset="0"/>
                 <a:ea typeface="Fredoka One"/>
                 <a:cs typeface="Fredoka One"/>
               </a:rPr>
-              <a:t>mung Gusti nu jeneng Pangeran, mung Gusti Nu Mahaagung, nun Yesus Kristus, sasarengan Roh Suci, </a:t>
-            </a:r>
-            <a:endParaRPr lang="en-US" sz="3600" dirty="0">
+              <a:t>mung Gusti nu jeneng </a:t>
+            </a:r>
+            <a:r>
+              <a:rPr lang="id-ID" sz="4400" dirty="0" smtClean="0">
+                <a:latin typeface="Arial Black" panose="020B0A04020102020204" pitchFamily="34" charset="0"/>
+                <a:ea typeface="Fredoka One"/>
+                <a:cs typeface="Fredoka One"/>
+              </a:rPr>
+              <a:t>Pangèran</a:t>
+            </a:r>
+            <a:r>
+              <a:rPr lang="id-ID" sz="4400" dirty="0">
+                <a:latin typeface="Arial Black" panose="020B0A04020102020204" pitchFamily="34" charset="0"/>
+                <a:ea typeface="Fredoka One"/>
+                <a:cs typeface="Fredoka One"/>
+              </a:rPr>
+              <a:t>, mung Gusti Nu </a:t>
+            </a:r>
+            <a:r>
+              <a:rPr lang="id-ID" sz="4400" dirty="0" smtClean="0">
+                <a:latin typeface="Arial Black" panose="020B0A04020102020204" pitchFamily="34" charset="0"/>
+                <a:ea typeface="Fredoka One"/>
+                <a:cs typeface="Fredoka One"/>
+              </a:rPr>
+              <a:t>Maha</a:t>
+            </a:r>
+            <a:r>
+              <a:rPr lang="en-ID" sz="4400" dirty="0" smtClean="0">
+                <a:latin typeface="Arial Black" panose="020B0A04020102020204" pitchFamily="34" charset="0"/>
+                <a:ea typeface="Fredoka One"/>
+                <a:cs typeface="Fredoka One"/>
+              </a:rPr>
+              <a:t> A</a:t>
+            </a:r>
+            <a:r>
+              <a:rPr lang="id-ID" sz="4400" dirty="0" smtClean="0">
+                <a:latin typeface="Arial Black" panose="020B0A04020102020204" pitchFamily="34" charset="0"/>
+                <a:ea typeface="Fredoka One"/>
+                <a:cs typeface="Fredoka One"/>
+              </a:rPr>
+              <a:t>gung</a:t>
+            </a:r>
+            <a:r>
+              <a:rPr lang="id-ID" sz="4400" dirty="0">
+                <a:latin typeface="Arial Black" panose="020B0A04020102020204" pitchFamily="34" charset="0"/>
+                <a:ea typeface="Fredoka One"/>
+                <a:cs typeface="Fredoka One"/>
+              </a:rPr>
+              <a:t>, nun Yesus Kristus, sasarengan Roh Suci, </a:t>
+            </a:r>
+            <a:r>
+              <a:rPr lang="id-ID" sz="4400" dirty="0" smtClean="0">
+                <a:latin typeface="Arial Black" panose="020B0A04020102020204" pitchFamily="34" charset="0"/>
+                <a:ea typeface="Fredoka One"/>
+                <a:cs typeface="Fredoka One"/>
+              </a:rPr>
+              <a:t>dina </a:t>
+            </a:r>
+            <a:r>
+              <a:rPr lang="id-ID" sz="4400" dirty="0">
+                <a:latin typeface="Arial Black" panose="020B0A04020102020204" pitchFamily="34" charset="0"/>
+                <a:ea typeface="Fredoka One"/>
+                <a:cs typeface="Fredoka One"/>
+              </a:rPr>
+              <a:t>kamuliaan Allah Rama. Amin. </a:t>
+            </a:r>
+            <a:endParaRPr lang="en-US" sz="4400" dirty="0">
               <a:latin typeface="Arial Black" panose="020B0A04020102020204" pitchFamily="34" charset="0"/>
               <a:ea typeface="Fredoka One"/>
               <a:cs typeface="Fredoka One"/>
@@ -20127,25 +20185,7 @@
             <a:pPr marL="0" indent="0" algn="ctr">
               <a:buNone/>
             </a:pPr>
-            <a:r>
-              <a:rPr lang="id-ID" sz="3600" dirty="0">
-                <a:latin typeface="Arial Black" panose="020B0A04020102020204" pitchFamily="34" charset="0"/>
-                <a:ea typeface="Fredoka One"/>
-                <a:cs typeface="Fredoka One"/>
-              </a:rPr>
-              <a:t>dina kamuliaan Allah Rama. Amin. </a:t>
-            </a:r>
-            <a:endParaRPr lang="en-US" sz="3600" dirty="0">
-              <a:latin typeface="Arial Black" panose="020B0A04020102020204" pitchFamily="34" charset="0"/>
-              <a:ea typeface="Fredoka One"/>
-              <a:cs typeface="Fredoka One"/>
-            </a:endParaRPr>
-          </a:p>
-          <a:p>
-            <a:pPr marL="0" indent="0" algn="ctr">
-              <a:buNone/>
-            </a:pPr>
-            <a:endParaRPr lang="en-ID" sz="3600" dirty="0">
+            <a:endParaRPr lang="en-ID" sz="4400" dirty="0">
               <a:latin typeface="Arial Black" panose="020B0A04020102020204" pitchFamily="34" charset="0"/>
               <a:ea typeface="Fredoka One"/>
               <a:cs typeface="Fredoka One"/>
@@ -20200,8 +20240,8 @@
         </p:nvSpPr>
         <p:spPr>
           <a:xfrm>
-            <a:off x="494201" y="1520456"/>
-            <a:ext cx="8561511" cy="2784631"/>
+            <a:off x="494201" y="1190847"/>
+            <a:ext cx="8561511" cy="3508743"/>
           </a:xfrm>
           <a:prstGeom prst="rect">
             <a:avLst/>
@@ -20468,7 +20508,187 @@
                 <a:spcPts val="1200"/>
               </a:spcAft>
             </a:pPr>
-            <a:endParaRPr lang="en-US" sz="4000" dirty="0">
+            <a:r>
+              <a:rPr lang="en-ID" sz="4400" dirty="0" err="1" smtClean="0">
+                <a:solidFill>
+                  <a:schemeClr val="accent4"/>
+                </a:solidFill>
+                <a:latin typeface="Arial Black" panose="020B0A04020102020204" pitchFamily="34" charset="0"/>
+              </a:rPr>
+              <a:t>Jalan-jalan</a:t>
+            </a:r>
+            <a:r>
+              <a:rPr lang="en-ID" sz="4400" dirty="0" smtClean="0">
+                <a:solidFill>
+                  <a:schemeClr val="accent4"/>
+                </a:solidFill>
+                <a:latin typeface="Arial Black" panose="020B0A04020102020204" pitchFamily="34" charset="0"/>
+              </a:rPr>
+              <a:t> </a:t>
+            </a:r>
+            <a:r>
+              <a:rPr lang="en-ID" sz="4400" dirty="0" err="1" smtClean="0">
+                <a:solidFill>
+                  <a:schemeClr val="accent4"/>
+                </a:solidFill>
+                <a:latin typeface="Arial Black" panose="020B0A04020102020204" pitchFamily="34" charset="0"/>
+              </a:rPr>
+              <a:t>Gusti</a:t>
+            </a:r>
+            <a:r>
+              <a:rPr lang="en-ID" sz="4400" dirty="0" smtClean="0">
+                <a:solidFill>
+                  <a:schemeClr val="accent4"/>
+                </a:solidFill>
+                <a:latin typeface="Arial Black" panose="020B0A04020102020204" pitchFamily="34" charset="0"/>
+              </a:rPr>
+              <a:t> </a:t>
+            </a:r>
+            <a:r>
+              <a:rPr lang="en-ID" sz="4400" dirty="0" err="1" smtClean="0">
+                <a:solidFill>
+                  <a:schemeClr val="accent4"/>
+                </a:solidFill>
+                <a:latin typeface="Arial Black" panose="020B0A04020102020204" pitchFamily="34" charset="0"/>
+              </a:rPr>
+              <a:t>tèh</a:t>
+            </a:r>
+            <a:r>
+              <a:rPr lang="en-ID" sz="4400" dirty="0" smtClean="0">
+                <a:solidFill>
+                  <a:schemeClr val="accent4"/>
+                </a:solidFill>
+                <a:latin typeface="Arial Black" panose="020B0A04020102020204" pitchFamily="34" charset="0"/>
+              </a:rPr>
+              <a:t>, nun </a:t>
+            </a:r>
+            <a:r>
+              <a:rPr lang="en-ID" sz="4400" dirty="0" err="1" smtClean="0">
+                <a:solidFill>
+                  <a:schemeClr val="accent4"/>
+                </a:solidFill>
+                <a:latin typeface="Arial Black" panose="020B0A04020102020204" pitchFamily="34" charset="0"/>
+              </a:rPr>
+              <a:t>Pangèran</a:t>
+            </a:r>
+            <a:r>
+              <a:rPr lang="en-ID" sz="4400" dirty="0" smtClean="0">
+                <a:solidFill>
+                  <a:schemeClr val="accent4"/>
+                </a:solidFill>
+                <a:latin typeface="Arial Black" panose="020B0A04020102020204" pitchFamily="34" charset="0"/>
+              </a:rPr>
+              <a:t>, </a:t>
+            </a:r>
+            <a:r>
+              <a:rPr lang="en-ID" sz="4400" dirty="0" err="1" smtClean="0">
+                <a:solidFill>
+                  <a:schemeClr val="accent4"/>
+                </a:solidFill>
+                <a:latin typeface="Arial Black" panose="020B0A04020102020204" pitchFamily="34" charset="0"/>
+              </a:rPr>
+              <a:t>taya</a:t>
+            </a:r>
+            <a:r>
+              <a:rPr lang="en-ID" sz="4400" dirty="0" smtClean="0">
+                <a:solidFill>
+                  <a:schemeClr val="accent4"/>
+                </a:solidFill>
+                <a:latin typeface="Arial Black" panose="020B0A04020102020204" pitchFamily="34" charset="0"/>
+              </a:rPr>
+              <a:t> </a:t>
+            </a:r>
+            <a:r>
+              <a:rPr lang="en-ID" sz="4400" dirty="0" err="1" smtClean="0">
+                <a:solidFill>
+                  <a:schemeClr val="accent4"/>
+                </a:solidFill>
+                <a:latin typeface="Arial Black" panose="020B0A04020102020204" pitchFamily="34" charset="0"/>
+              </a:rPr>
+              <a:t>sanès</a:t>
+            </a:r>
+            <a:r>
+              <a:rPr lang="en-ID" sz="4400" dirty="0" smtClean="0">
+                <a:solidFill>
+                  <a:schemeClr val="accent4"/>
+                </a:solidFill>
+                <a:latin typeface="Arial Black" panose="020B0A04020102020204" pitchFamily="34" charset="0"/>
+              </a:rPr>
+              <a:t> </a:t>
+            </a:r>
+            <a:r>
+              <a:rPr lang="en-ID" sz="4400" dirty="0" err="1" smtClean="0">
+                <a:solidFill>
+                  <a:schemeClr val="accent4"/>
+                </a:solidFill>
+                <a:latin typeface="Arial Black" panose="020B0A04020102020204" pitchFamily="34" charset="0"/>
+              </a:rPr>
+              <a:t>kaasih</a:t>
+            </a:r>
+            <a:r>
+              <a:rPr lang="en-ID" sz="4400" dirty="0" smtClean="0">
+                <a:solidFill>
+                  <a:schemeClr val="accent4"/>
+                </a:solidFill>
+                <a:latin typeface="Arial Black" panose="020B0A04020102020204" pitchFamily="34" charset="0"/>
+              </a:rPr>
+              <a:t> </a:t>
+            </a:r>
+            <a:r>
+              <a:rPr lang="en-ID" sz="4400" dirty="0" err="1" smtClean="0">
+                <a:solidFill>
+                  <a:schemeClr val="accent4"/>
+                </a:solidFill>
+                <a:latin typeface="Arial Black" panose="020B0A04020102020204" pitchFamily="34" charset="0"/>
+              </a:rPr>
+              <a:t>satia</a:t>
+            </a:r>
+            <a:r>
+              <a:rPr lang="en-ID" sz="4400" dirty="0" smtClean="0">
+                <a:solidFill>
+                  <a:schemeClr val="accent4"/>
+                </a:solidFill>
+                <a:latin typeface="Arial Black" panose="020B0A04020102020204" pitchFamily="34" charset="0"/>
+              </a:rPr>
+              <a:t> </a:t>
+            </a:r>
+            <a:r>
+              <a:rPr lang="en-ID" sz="4400" dirty="0" err="1" smtClean="0">
+                <a:solidFill>
+                  <a:schemeClr val="accent4"/>
+                </a:solidFill>
+                <a:latin typeface="Arial Black" panose="020B0A04020102020204" pitchFamily="34" charset="0"/>
+              </a:rPr>
+              <a:t>sareng</a:t>
+            </a:r>
+            <a:r>
+              <a:rPr lang="en-ID" sz="4400" dirty="0" smtClean="0">
+                <a:solidFill>
+                  <a:schemeClr val="accent4"/>
+                </a:solidFill>
+                <a:latin typeface="Arial Black" panose="020B0A04020102020204" pitchFamily="34" charset="0"/>
+              </a:rPr>
+              <a:t> </a:t>
+            </a:r>
+            <a:r>
+              <a:rPr lang="en-ID" sz="4400" dirty="0" err="1" smtClean="0">
+                <a:solidFill>
+                  <a:schemeClr val="accent4"/>
+                </a:solidFill>
+                <a:latin typeface="Arial Black" panose="020B0A04020102020204" pitchFamily="34" charset="0"/>
+              </a:rPr>
+              <a:t>kayaktian</a:t>
+            </a:r>
+            <a:r>
+              <a:rPr lang="en-ID" sz="4400" dirty="0" smtClean="0">
+                <a:solidFill>
+                  <a:schemeClr val="accent4"/>
+                </a:solidFill>
+                <a:latin typeface="Arial Black" panose="020B0A04020102020204" pitchFamily="34" charset="0"/>
+              </a:rPr>
+              <a:t>.</a:t>
+            </a:r>
+            <a:endParaRPr lang="en-US" sz="4400" dirty="0">
               <a:solidFill>
                 <a:schemeClr val="accent4"/>
               </a:solidFill>
@@ -21123,7 +21343,7 @@
         <p:spPr>
           <a:xfrm>
             <a:off x="219920" y="1055530"/>
-            <a:ext cx="8719781" cy="3052179"/>
+            <a:ext cx="8719781" cy="3761019"/>
           </a:xfrm>
           <a:prstGeom prst="rect">
             <a:avLst/>
@@ -21666,12 +21886,6 @@
               </a:rPr>
               <a:t>.</a:t>
             </a:r>
-            <a:endParaRPr lang="en-US" sz="4400" dirty="0">
-              <a:solidFill>
-                <a:schemeClr val="accent4"/>
-              </a:solidFill>
-              <a:latin typeface="Arial Black" panose="020B0A04020102020204" pitchFamily="34" charset="0"/>
-            </a:endParaRPr>
           </a:p>
         </p:txBody>
       </p:sp>
@@ -21722,8 +21936,8 @@
         </p:nvSpPr>
         <p:spPr>
           <a:xfrm>
-            <a:off x="142565" y="1562773"/>
-            <a:ext cx="8894350" cy="3052179"/>
+            <a:off x="142565" y="1339703"/>
+            <a:ext cx="8894350" cy="3275250"/>
           </a:xfrm>
           <a:prstGeom prst="rect">
             <a:avLst/>
@@ -21985,13 +22199,13 @@
             </a:lvl9pPr>
           </a:lstStyle>
           <a:p>
-            <a:pPr marL="152400" indent="0" algn="l">
+            <a:pPr marL="893763" indent="-741363" algn="l">
               <a:spcAft>
                 <a:spcPts val="1200"/>
               </a:spcAft>
             </a:pPr>
             <a:r>
-              <a:rPr lang="en-US" sz="3600" dirty="0" smtClean="0">
+              <a:rPr lang="en-US" sz="4400" dirty="0" smtClean="0">
                 <a:solidFill>
                   <a:schemeClr val="accent4"/>
                 </a:solidFill>
@@ -22000,7 +22214,7 @@
               <a:t>I : </a:t>
             </a:r>
             <a:r>
-              <a:rPr lang="en-US" sz="3600" dirty="0" err="1" smtClean="0">
+              <a:rPr lang="en-US" sz="4400" dirty="0" err="1" smtClean="0">
                 <a:solidFill>
                   <a:schemeClr val="accent4"/>
                 </a:solidFill>
@@ -22009,7 +22223,7 @@
               <a:t>Pangèran</a:t>
             </a:r>
             <a:r>
-              <a:rPr lang="en-US" sz="3600" dirty="0" smtClean="0">
+              <a:rPr lang="en-US" sz="4400" dirty="0" smtClean="0">
                 <a:solidFill>
                   <a:schemeClr val="accent4"/>
                 </a:solidFill>
@@ -22018,7 +22232,7 @@
               <a:t> </a:t>
             </a:r>
             <a:r>
-              <a:rPr lang="en-US" sz="3600" dirty="0" err="1" smtClean="0">
+              <a:rPr lang="en-US" sz="4400" dirty="0" err="1" smtClean="0">
                 <a:solidFill>
                   <a:schemeClr val="accent4"/>
                 </a:solidFill>
@@ -22027,7 +22241,7 @@
               <a:t>nyarengan</a:t>
             </a:r>
             <a:r>
-              <a:rPr lang="en-US" sz="3600" dirty="0" smtClean="0">
+              <a:rPr lang="en-US" sz="4400" dirty="0" smtClean="0">
                 <a:solidFill>
                   <a:schemeClr val="accent4"/>
                 </a:solidFill>
@@ -22036,7 +22250,7 @@
               <a:t> </a:t>
             </a:r>
             <a:r>
-              <a:rPr lang="en-US" sz="3600" dirty="0" err="1" smtClean="0">
+              <a:rPr lang="en-US" sz="4400" dirty="0" err="1" smtClean="0">
                 <a:solidFill>
                   <a:schemeClr val="accent4"/>
                 </a:solidFill>
@@ -22045,7 +22259,7 @@
               <a:t>aranjeun</a:t>
             </a:r>
             <a:r>
-              <a:rPr lang="en-US" sz="3600" dirty="0" smtClean="0">
+              <a:rPr lang="en-US" sz="4400" dirty="0" smtClean="0">
                 <a:solidFill>
                   <a:schemeClr val="accent4"/>
                 </a:solidFill>
@@ -22055,13 +22269,13 @@
             </a:r>
           </a:p>
           <a:p>
-            <a:pPr marL="152400" indent="0" algn="l">
+            <a:pPr marL="893763" indent="-741363" algn="l">
               <a:spcAft>
                 <a:spcPts val="1200"/>
               </a:spcAft>
             </a:pPr>
             <a:r>
-              <a:rPr lang="en-US" sz="3600" dirty="0" smtClean="0">
+              <a:rPr lang="en-US" sz="4400" dirty="0" smtClean="0">
                 <a:solidFill>
                   <a:schemeClr val="accent4"/>
                 </a:solidFill>
@@ -22070,7 +22284,7 @@
               <a:t>U : </a:t>
             </a:r>
             <a:r>
-              <a:rPr lang="en-US" sz="3600" dirty="0" err="1" smtClean="0">
+              <a:rPr lang="en-US" sz="4400" dirty="0" err="1" smtClean="0">
                 <a:solidFill>
                   <a:schemeClr val="accent4"/>
                 </a:solidFill>
@@ -22079,7 +22293,7 @@
               <a:t>Tur</a:t>
             </a:r>
             <a:r>
-              <a:rPr lang="en-US" sz="3600" dirty="0" smtClean="0">
+              <a:rPr lang="en-US" sz="4400" dirty="0" smtClean="0">
                 <a:solidFill>
                   <a:schemeClr val="accent4"/>
                 </a:solidFill>
@@ -22088,7 +22302,7 @@
               <a:t> </a:t>
             </a:r>
             <a:r>
-              <a:rPr lang="en-US" sz="3600" dirty="0" err="1" smtClean="0">
+              <a:rPr lang="en-US" sz="4400" dirty="0" err="1" smtClean="0">
                 <a:solidFill>
                   <a:schemeClr val="accent4"/>
                 </a:solidFill>
@@ -22097,7 +22311,7 @@
               <a:t>nyarengan</a:t>
             </a:r>
             <a:r>
-              <a:rPr lang="en-US" sz="3600" dirty="0" smtClean="0">
+              <a:rPr lang="en-US" sz="4400" dirty="0" smtClean="0">
                 <a:solidFill>
                   <a:schemeClr val="accent4"/>
                 </a:solidFill>
@@ -22106,7 +22320,7 @@
               <a:t> </a:t>
             </a:r>
             <a:r>
-              <a:rPr lang="en-US" sz="3600" dirty="0" err="1" smtClean="0">
+              <a:rPr lang="en-US" sz="4400" dirty="0" err="1" smtClean="0">
                 <a:solidFill>
                   <a:schemeClr val="accent4"/>
                 </a:solidFill>
@@ -22115,7 +22329,7 @@
               <a:t>roh</a:t>
             </a:r>
             <a:r>
-              <a:rPr lang="en-US" sz="3600" dirty="0" smtClean="0">
+              <a:rPr lang="en-US" sz="4400" dirty="0" smtClean="0">
                 <a:solidFill>
                   <a:schemeClr val="accent4"/>
                 </a:solidFill>
@@ -22124,7 +22338,7 @@
               <a:t> </a:t>
             </a:r>
             <a:r>
-              <a:rPr lang="en-US" sz="3600" dirty="0" err="1" smtClean="0">
+              <a:rPr lang="en-US" sz="4400" dirty="0" err="1" smtClean="0">
                 <a:solidFill>
                   <a:schemeClr val="accent4"/>
                 </a:solidFill>
@@ -22133,7 +22347,7 @@
               <a:t>anjeun</a:t>
             </a:r>
             <a:r>
-              <a:rPr lang="en-US" sz="3600" dirty="0" smtClean="0">
+              <a:rPr lang="en-US" sz="4400" dirty="0" smtClean="0">
                 <a:solidFill>
                   <a:schemeClr val="accent4"/>
                 </a:solidFill>
@@ -22141,7 +22355,7 @@
               </a:rPr>
               <a:t>.</a:t>
             </a:r>
-            <a:endParaRPr lang="en-US" sz="3600" dirty="0">
+            <a:endParaRPr lang="en-US" sz="4400" dirty="0">
               <a:solidFill>
                 <a:schemeClr val="accent4"/>
               </a:solidFill>
@@ -22482,8 +22696,8 @@
         </p:nvSpPr>
         <p:spPr>
           <a:xfrm>
-            <a:off x="189557" y="1453916"/>
-            <a:ext cx="8894350" cy="3052179"/>
+            <a:off x="189557" y="761822"/>
+            <a:ext cx="8894350" cy="4381678"/>
           </a:xfrm>
           <a:prstGeom prst="rect">
             <a:avLst/>
@@ -22751,7 +22965,7 @@
               </a:spcAft>
             </a:pPr>
             <a:r>
-              <a:rPr lang="en-US" sz="3600" dirty="0">
+              <a:rPr lang="en-US" sz="4400" dirty="0">
                 <a:solidFill>
                   <a:schemeClr val="accent4"/>
                 </a:solidFill>
@@ -22760,7 +22974,7 @@
               <a:t>I </a:t>
             </a:r>
             <a:r>
-              <a:rPr lang="en-US" sz="3600" dirty="0" smtClean="0">
+              <a:rPr lang="en-US" sz="4400" dirty="0" smtClean="0">
                 <a:solidFill>
                   <a:schemeClr val="accent4"/>
                 </a:solidFill>
@@ -22769,7 +22983,7 @@
               <a:t>	: </a:t>
             </a:r>
             <a:r>
-              <a:rPr lang="en-US" sz="3600" dirty="0">
+              <a:rPr lang="en-US" sz="4400" dirty="0">
                 <a:solidFill>
                   <a:schemeClr val="accent4"/>
                 </a:solidFill>
@@ -22778,7 +22992,7 @@
               <a:t>Nya </a:t>
             </a:r>
             <a:r>
-              <a:rPr lang="en-US" sz="3600" dirty="0" err="1">
+              <a:rPr lang="en-US" sz="4400" dirty="0" err="1">
                 <a:solidFill>
                   <a:schemeClr val="accent4"/>
                 </a:solidFill>
@@ -22787,7 +23001,7 @@
               <a:t>ieu</a:t>
             </a:r>
             <a:r>
-              <a:rPr lang="en-US" sz="3600" dirty="0">
+              <a:rPr lang="en-US" sz="4400" dirty="0">
                 <a:solidFill>
                   <a:schemeClr val="accent4"/>
                 </a:solidFill>
@@ -22796,7 +23010,7 @@
               <a:t> </a:t>
             </a:r>
             <a:r>
-              <a:rPr lang="en-US" sz="3600" dirty="0" err="1">
+              <a:rPr lang="en-US" sz="4400" dirty="0" err="1">
                 <a:solidFill>
                   <a:schemeClr val="accent4"/>
                 </a:solidFill>
@@ -22805,7 +23019,7 @@
               <a:t>Injil</a:t>
             </a:r>
             <a:r>
-              <a:rPr lang="en-US" sz="3600" dirty="0">
+              <a:rPr lang="en-US" sz="4400" dirty="0">
                 <a:solidFill>
                   <a:schemeClr val="accent4"/>
                 </a:solidFill>
@@ -22814,7 +23028,7 @@
               <a:t> </a:t>
             </a:r>
             <a:r>
-              <a:rPr lang="en-US" sz="3600" dirty="0" err="1">
+              <a:rPr lang="en-US" sz="4400" dirty="0" err="1">
                 <a:solidFill>
                   <a:schemeClr val="accent4"/>
                 </a:solidFill>
@@ -22823,7 +23037,7 @@
               <a:t>Yèsus</a:t>
             </a:r>
             <a:r>
-              <a:rPr lang="en-US" sz="3600" dirty="0">
+              <a:rPr lang="en-US" sz="4400" dirty="0">
                 <a:solidFill>
                   <a:schemeClr val="accent4"/>
                 </a:solidFill>
@@ -22831,8 +23045,30 @@
               </a:rPr>
               <a:t> </a:t>
             </a:r>
-            <a:r>
-              <a:rPr lang="en-US" sz="3600" dirty="0" err="1">
+            <a:endParaRPr lang="en-US" sz="4400" dirty="0" smtClean="0">
+              <a:solidFill>
+                <a:schemeClr val="accent4"/>
+              </a:solidFill>
+              <a:latin typeface="Arial Black" panose="020B0A04020102020204" pitchFamily="34" charset="0"/>
+            </a:endParaRPr>
+          </a:p>
+          <a:p>
+            <a:pPr marL="1254125" indent="-1101725" algn="l">
+              <a:spcAft>
+                <a:spcPts val="1200"/>
+              </a:spcAft>
+            </a:pPr>
+            <a:r>
+              <a:rPr lang="en-US" sz="4400" dirty="0">
+                <a:solidFill>
+                  <a:schemeClr val="accent4"/>
+                </a:solidFill>
+                <a:latin typeface="Arial Black" panose="020B0A04020102020204" pitchFamily="34" charset="0"/>
+              </a:rPr>
+              <a:t>	</a:t>
+            </a:r>
+            <a:r>
+              <a:rPr lang="en-US" sz="4400" dirty="0" err="1" smtClean="0">
                 <a:solidFill>
                   <a:schemeClr val="accent4"/>
                 </a:solidFill>
@@ -22841,25 +23077,16 @@
               <a:t>Kristus</a:t>
             </a:r>
             <a:r>
-              <a:rPr lang="en-US" sz="3600" dirty="0">
-                <a:solidFill>
-                  <a:schemeClr val="accent4"/>
-                </a:solidFill>
-                <a:latin typeface="Arial Black" panose="020B0A04020102020204" pitchFamily="34" charset="0"/>
-              </a:rPr>
-              <a:t> </a:t>
-            </a:r>
-            <a:r>
-              <a:rPr lang="en-US" sz="3600" dirty="0" smtClean="0">
-                <a:solidFill>
-                  <a:schemeClr val="accent4"/>
-                </a:solidFill>
-                <a:latin typeface="Arial Black" panose="020B0A04020102020204" pitchFamily="34" charset="0"/>
-              </a:rPr>
-              <a:t>	  	  </a:t>
-            </a:r>
-            <a:r>
-              <a:rPr lang="en-US" sz="3600" dirty="0" err="1" smtClean="0">
+              <a:rPr lang="en-US" sz="4400" dirty="0" smtClean="0">
+                <a:solidFill>
+                  <a:schemeClr val="accent4"/>
+                </a:solidFill>
+                <a:latin typeface="Arial Black" panose="020B0A04020102020204" pitchFamily="34" charset="0"/>
+              </a:rPr>
+              <a:t> 	</a:t>
+            </a:r>
+            <a:r>
+              <a:rPr lang="en-US" sz="4400" dirty="0" err="1" smtClean="0">
                 <a:solidFill>
                   <a:schemeClr val="accent4"/>
                 </a:solidFill>
@@ -22868,24 +23095,15 @@
               <a:t>numutkeun</a:t>
             </a:r>
             <a:r>
-              <a:rPr lang="en-US" sz="3600" dirty="0" smtClean="0">
-                <a:solidFill>
-                  <a:schemeClr val="accent4"/>
-                </a:solidFill>
-                <a:latin typeface="Arial Black" panose="020B0A04020102020204" pitchFamily="34" charset="0"/>
-              </a:rPr>
-              <a:t> Santo </a:t>
-            </a:r>
-            <a:r>
-              <a:rPr lang="en-US" sz="3600" dirty="0" err="1" smtClean="0">
-                <a:solidFill>
-                  <a:schemeClr val="accent4"/>
-                </a:solidFill>
-                <a:latin typeface="Arial Black" panose="020B0A04020102020204" pitchFamily="34" charset="0"/>
-              </a:rPr>
-              <a:t>Matius</a:t>
-            </a:r>
-            <a:endParaRPr lang="en-US" sz="3600" dirty="0">
+              <a:rPr lang="en-US" sz="4400" dirty="0" smtClean="0">
+                <a:solidFill>
+                  <a:schemeClr val="accent4"/>
+                </a:solidFill>
+                <a:latin typeface="Arial Black" panose="020B0A04020102020204" pitchFamily="34" charset="0"/>
+              </a:rPr>
+              <a:t> Santo Markus</a:t>
+            </a:r>
+            <a:endParaRPr lang="en-US" sz="4400" dirty="0">
               <a:solidFill>
                 <a:schemeClr val="accent4"/>
               </a:solidFill>
@@ -22899,7 +23117,7 @@
               </a:spcAft>
             </a:pPr>
             <a:r>
-              <a:rPr lang="en-US" sz="3600" dirty="0">
+              <a:rPr lang="en-US" sz="4400" dirty="0">
                 <a:solidFill>
                   <a:schemeClr val="accent4"/>
                 </a:solidFill>
@@ -22908,7 +23126,7 @@
               <a:t>U </a:t>
             </a:r>
             <a:r>
-              <a:rPr lang="en-US" sz="3600" dirty="0" smtClean="0">
+              <a:rPr lang="en-US" sz="4400" dirty="0" smtClean="0">
                 <a:solidFill>
                   <a:schemeClr val="accent4"/>
                 </a:solidFill>
@@ -22917,7 +23135,7 @@
               <a:t>	: </a:t>
             </a:r>
             <a:r>
-              <a:rPr lang="en-US" sz="3600" dirty="0" err="1">
+              <a:rPr lang="en-US" sz="4400" dirty="0" err="1">
                 <a:solidFill>
                   <a:schemeClr val="accent4"/>
                 </a:solidFill>
@@ -22926,7 +23144,7 @@
               <a:t>Kamuliaan</a:t>
             </a:r>
             <a:r>
-              <a:rPr lang="en-US" sz="3600" dirty="0">
+              <a:rPr lang="en-US" sz="4400" dirty="0">
                 <a:solidFill>
                   <a:schemeClr val="accent4"/>
                 </a:solidFill>
@@ -22935,7 +23153,7 @@
               <a:t> </a:t>
             </a:r>
             <a:r>
-              <a:rPr lang="en-US" sz="3600" dirty="0" err="1">
+              <a:rPr lang="en-US" sz="4400" dirty="0" err="1">
                 <a:solidFill>
                   <a:schemeClr val="accent4"/>
                 </a:solidFill>
@@ -22944,7 +23162,7 @@
               <a:t>ka</a:t>
             </a:r>
             <a:r>
-              <a:rPr lang="en-US" sz="3600" dirty="0">
+              <a:rPr lang="en-US" sz="4400" dirty="0">
                 <a:solidFill>
                   <a:schemeClr val="accent4"/>
                 </a:solidFill>
@@ -22953,7 +23171,7 @@
               <a:t> </a:t>
             </a:r>
             <a:r>
-              <a:rPr lang="en-US" sz="3600" dirty="0" err="1">
+              <a:rPr lang="en-US" sz="4400" dirty="0" err="1">
                 <a:solidFill>
                   <a:schemeClr val="accent4"/>
                 </a:solidFill>
@@ -22962,7 +23180,7 @@
               <a:t>Gusti</a:t>
             </a:r>
             <a:r>
-              <a:rPr lang="en-US" sz="3600" dirty="0">
+              <a:rPr lang="en-US" sz="4400" dirty="0">
                 <a:solidFill>
                   <a:schemeClr val="accent4"/>
                 </a:solidFill>
@@ -22970,7 +23188,7 @@
               </a:rPr>
               <a:t>, </a:t>
             </a:r>
-            <a:endParaRPr lang="en-US" sz="3600" dirty="0" smtClean="0">
+            <a:endParaRPr lang="en-US" sz="4400" dirty="0" smtClean="0">
               <a:solidFill>
                 <a:schemeClr val="accent4"/>
               </a:solidFill>
@@ -22984,7 +23202,7 @@
               </a:spcAft>
             </a:pPr>
             <a:r>
-              <a:rPr lang="en-US" sz="3600" dirty="0">
+              <a:rPr lang="en-US" sz="4400" dirty="0">
                 <a:solidFill>
                   <a:schemeClr val="accent4"/>
                 </a:solidFill>
@@ -22993,7 +23211,7 @@
               <a:t>	</a:t>
             </a:r>
             <a:r>
-              <a:rPr lang="en-US" sz="3600" dirty="0" smtClean="0">
+              <a:rPr lang="en-US" sz="4400" dirty="0" smtClean="0">
                 <a:solidFill>
                   <a:schemeClr val="accent4"/>
                 </a:solidFill>
@@ -23002,7 +23220,7 @@
               <a:t>  nun </a:t>
             </a:r>
             <a:r>
-              <a:rPr lang="en-US" sz="3600" dirty="0" err="1">
+              <a:rPr lang="en-US" sz="4400" dirty="0" err="1">
                 <a:solidFill>
                   <a:schemeClr val="accent4"/>
                 </a:solidFill>
@@ -23011,7 +23229,7 @@
               <a:t>Pangèran</a:t>
             </a:r>
             <a:r>
-              <a:rPr lang="en-US" sz="3600" dirty="0">
+              <a:rPr lang="en-US" sz="4400" dirty="0">
                 <a:solidFill>
                   <a:schemeClr val="accent4"/>
                 </a:solidFill>
@@ -23032,7 +23250,7 @@
         </p:nvSpPr>
         <p:spPr>
           <a:xfrm>
-            <a:off x="1335324" y="278436"/>
+            <a:off x="1335323" y="0"/>
             <a:ext cx="6602817" cy="761822"/>
           </a:xfrm>
           <a:prstGeom prst="rect">
@@ -28637,12 +28855,6 @@
               </a:rPr>
               <a:t>.</a:t>
             </a:r>
-            <a:endParaRPr lang="en-US" sz="4400" dirty="0">
-              <a:solidFill>
-                <a:schemeClr val="accent4"/>
-              </a:solidFill>
-              <a:latin typeface="Arial Black" panose="020B0A04020102020204" pitchFamily="34" charset="0"/>
-            </a:endParaRPr>
           </a:p>
         </p:txBody>
       </p:sp>
@@ -29474,7 +29686,7 @@
               </a:spcAft>
             </a:pPr>
             <a:r>
-              <a:rPr lang="en-US" sz="4400" dirty="0" err="1" smtClean="0">
+              <a:rPr lang="en-US" sz="4000" dirty="0" err="1" smtClean="0">
                 <a:solidFill>
                   <a:schemeClr val="accent4"/>
                 </a:solidFill>
@@ -29483,7 +29695,7 @@
               <a:t>Ayeuna</a:t>
             </a:r>
             <a:r>
-              <a:rPr lang="en-US" sz="4400" dirty="0" smtClean="0">
+              <a:rPr lang="en-US" sz="4000" dirty="0" smtClean="0">
                 <a:solidFill>
                   <a:schemeClr val="accent4"/>
                 </a:solidFill>
@@ -29492,7 +29704,7 @@
               <a:t> </a:t>
             </a:r>
             <a:r>
-              <a:rPr lang="en-US" sz="4400" dirty="0" err="1">
+              <a:rPr lang="en-US" sz="4000" dirty="0" err="1">
                 <a:solidFill>
                   <a:schemeClr val="accent4"/>
                 </a:solidFill>
@@ -29501,7 +29713,7 @@
               <a:t>mangga</a:t>
             </a:r>
             <a:r>
-              <a:rPr lang="en-US" sz="4400" dirty="0">
+              <a:rPr lang="en-US" sz="4000" dirty="0">
                 <a:solidFill>
                   <a:schemeClr val="accent4"/>
                 </a:solidFill>
@@ -29510,7 +29722,7 @@
               <a:t> </a:t>
             </a:r>
             <a:r>
-              <a:rPr lang="en-US" sz="4400" dirty="0" err="1">
+              <a:rPr lang="en-US" sz="4000" dirty="0" err="1">
                 <a:solidFill>
                   <a:schemeClr val="accent4"/>
                 </a:solidFill>
@@ -29518,7 +29730,7 @@
               </a:rPr>
               <a:t>kapayun</a:t>
             </a:r>
-            <a:endParaRPr lang="en-US" sz="4400" dirty="0">
+            <a:endParaRPr lang="en-US" sz="4000" dirty="0">
               <a:solidFill>
                 <a:schemeClr val="accent4"/>
               </a:solidFill>
@@ -29532,7 +29744,7 @@
               </a:spcAft>
             </a:pPr>
             <a:r>
-              <a:rPr lang="en-US" sz="4400" dirty="0" err="1">
+              <a:rPr lang="en-US" sz="4000" dirty="0" err="1">
                 <a:solidFill>
                   <a:schemeClr val="accent4"/>
                 </a:solidFill>
@@ -29541,7 +29753,7 @@
               <a:t>Sanggakeun</a:t>
             </a:r>
             <a:r>
-              <a:rPr lang="en-US" sz="4400" dirty="0">
+              <a:rPr lang="en-US" sz="4000" dirty="0">
                 <a:solidFill>
                   <a:schemeClr val="accent4"/>
                 </a:solidFill>
@@ -29550,7 +29762,7 @@
               <a:t> </a:t>
             </a:r>
             <a:r>
-              <a:rPr lang="en-US" sz="4400" dirty="0" err="1">
+              <a:rPr lang="en-US" sz="4000" dirty="0" err="1">
                 <a:solidFill>
                   <a:schemeClr val="accent4"/>
                 </a:solidFill>
@@ -29559,7 +29771,7 @@
               <a:t>korban</a:t>
             </a:r>
             <a:r>
-              <a:rPr lang="en-US" sz="4400" dirty="0">
+              <a:rPr lang="en-US" sz="4000" dirty="0">
                 <a:solidFill>
                   <a:schemeClr val="accent4"/>
                 </a:solidFill>
@@ -29568,7 +29780,7 @@
               <a:t> nu </a:t>
             </a:r>
             <a:r>
-              <a:rPr lang="en-US" sz="4400" dirty="0" err="1">
+              <a:rPr lang="en-US" sz="4000" dirty="0" err="1">
                 <a:solidFill>
                   <a:schemeClr val="accent4"/>
                 </a:solidFill>
@@ -29576,7 +29788,7 @@
               </a:rPr>
               <a:t>suci</a:t>
             </a:r>
-            <a:endParaRPr lang="en-US" sz="4400" dirty="0">
+            <a:endParaRPr lang="en-US" sz="4000" dirty="0">
               <a:solidFill>
                 <a:schemeClr val="accent4"/>
               </a:solidFill>
@@ -29590,7 +29802,7 @@
               </a:spcAft>
             </a:pPr>
             <a:r>
-              <a:rPr lang="en-US" sz="4400" dirty="0" err="1">
+              <a:rPr lang="en-US" sz="4000" dirty="0" err="1">
                 <a:solidFill>
                   <a:schemeClr val="accent4"/>
                 </a:solidFill>
@@ -29599,7 +29811,7 @@
               <a:t>Simpen</a:t>
             </a:r>
             <a:r>
-              <a:rPr lang="en-US" sz="4400" dirty="0">
+              <a:rPr lang="en-US" sz="4000" dirty="0">
                 <a:solidFill>
                   <a:schemeClr val="accent4"/>
                 </a:solidFill>
@@ -29608,7 +29820,7 @@
               <a:t> </a:t>
             </a:r>
             <a:r>
-              <a:rPr lang="en-US" sz="4400" dirty="0" err="1">
+              <a:rPr lang="en-US" sz="4000" dirty="0" err="1">
                 <a:solidFill>
                   <a:schemeClr val="accent4"/>
                 </a:solidFill>
@@ -29617,7 +29829,7 @@
               <a:t>dina</a:t>
             </a:r>
             <a:r>
-              <a:rPr lang="en-US" sz="4400" dirty="0">
+              <a:rPr lang="en-US" sz="4000" dirty="0">
                 <a:solidFill>
                   <a:schemeClr val="accent4"/>
                 </a:solidFill>
@@ -29626,7 +29838,7 @@
               <a:t> </a:t>
             </a:r>
             <a:r>
-              <a:rPr lang="en-US" sz="4400" dirty="0" err="1">
+              <a:rPr lang="en-US" sz="4000" dirty="0" err="1">
                 <a:solidFill>
                   <a:schemeClr val="accent4"/>
                 </a:solidFill>
@@ -29635,7 +29847,7 @@
               <a:t>meja</a:t>
             </a:r>
             <a:r>
-              <a:rPr lang="en-US" sz="4400" dirty="0">
+              <a:rPr lang="en-US" sz="4000" dirty="0">
                 <a:solidFill>
                   <a:schemeClr val="accent4"/>
                 </a:solidFill>
@@ -29643,12 +29855,6 @@
               </a:rPr>
               <a:t> altar</a:t>
             </a:r>
-            <a:endParaRPr lang="en-US" sz="4400" dirty="0">
-              <a:solidFill>
-                <a:schemeClr val="accent4"/>
-              </a:solidFill>
-              <a:latin typeface="Arial Black" panose="020B0A04020102020204" pitchFamily="34" charset="0"/>
-            </a:endParaRPr>
           </a:p>
         </p:txBody>
       </p:sp>
@@ -29927,17 +30133,132 @@
           <a:p>
             <a:pPr algn="ctr"/>
             <a:r>
-              <a:rPr lang="en-US" sz="4000">
-                <a:solidFill>
-                  <a:schemeClr val="accent4"/>
-                </a:solidFill>
-              </a:rPr>
-              <a:t>Ayeuna Mangga Kapayun</a:t>
+              <a:rPr lang="en-US" sz="4000" dirty="0" err="1">
+                <a:solidFill>
+                  <a:schemeClr val="accent4"/>
+                </a:solidFill>
+              </a:rPr>
+              <a:t>Ayeuna</a:t>
+            </a:r>
+            <a:r>
+              <a:rPr lang="en-US" sz="4000" dirty="0">
+                <a:solidFill>
+                  <a:schemeClr val="accent4"/>
+                </a:solidFill>
+              </a:rPr>
+              <a:t> </a:t>
+            </a:r>
+            <a:r>
+              <a:rPr lang="en-US" sz="4000" dirty="0" err="1">
+                <a:solidFill>
+                  <a:schemeClr val="accent4"/>
+                </a:solidFill>
+              </a:rPr>
+              <a:t>Mangga</a:t>
+            </a:r>
+            <a:r>
+              <a:rPr lang="en-US" sz="4000" dirty="0">
+                <a:solidFill>
+                  <a:schemeClr val="accent4"/>
+                </a:solidFill>
+              </a:rPr>
+              <a:t> </a:t>
+            </a:r>
+            <a:r>
+              <a:rPr lang="en-US" sz="4000" dirty="0" err="1">
+                <a:solidFill>
+                  <a:schemeClr val="accent4"/>
+                </a:solidFill>
+              </a:rPr>
+              <a:t>Kapayun</a:t>
             </a:r>
             <a:endParaRPr lang="en-US" sz="4000" dirty="0" smtClean="0">
               <a:solidFill>
                 <a:schemeClr val="accent4"/>
               </a:solidFill>
+            </a:endParaRPr>
+          </a:p>
+        </p:txBody>
+      </p:sp>
+      <p:sp>
+        <p:nvSpPr>
+          <p:cNvPr id="2" name="Right Brace 1"/>
+          <p:cNvSpPr/>
+          <p:nvPr/>
+        </p:nvSpPr>
+        <p:spPr>
+          <a:xfrm>
+            <a:off x="8250865" y="1892595"/>
+            <a:ext cx="244549" cy="988828"/>
+          </a:xfrm>
+          <a:prstGeom prst="rightBrace">
+            <a:avLst/>
+          </a:prstGeom>
+          <a:ln w="38100">
+            <a:solidFill>
+              <a:schemeClr val="accent4"/>
+            </a:solidFill>
+          </a:ln>
+        </p:spPr>
+        <p:style>
+          <a:lnRef idx="1">
+            <a:schemeClr val="accent1"/>
+          </a:lnRef>
+          <a:fillRef idx="0">
+            <a:schemeClr val="accent1"/>
+          </a:fillRef>
+          <a:effectRef idx="0">
+            <a:schemeClr val="accent1"/>
+          </a:effectRef>
+          <a:fontRef idx="minor">
+            <a:schemeClr val="tx1"/>
+          </a:fontRef>
+        </p:style>
+        <p:txBody>
+          <a:bodyPr rtlCol="0" anchor="ctr"/>
+          <a:lstStyle/>
+          <a:p>
+            <a:pPr algn="ctr"/>
+            <a:endParaRPr lang="en-US"/>
+          </a:p>
+        </p:txBody>
+      </p:sp>
+      <p:sp>
+        <p:nvSpPr>
+          <p:cNvPr id="3" name="TextBox 2"/>
+          <p:cNvSpPr txBox="1"/>
+          <p:nvPr/>
+        </p:nvSpPr>
+        <p:spPr>
+          <a:xfrm>
+            <a:off x="8495414" y="2125399"/>
+            <a:ext cx="723014" cy="523220"/>
+          </a:xfrm>
+          <a:prstGeom prst="rect">
+            <a:avLst/>
+          </a:prstGeom>
+          <a:noFill/>
+        </p:spPr>
+        <p:txBody>
+          <a:bodyPr wrap="square" rtlCol="0">
+            <a:spAutoFit/>
+          </a:bodyPr>
+          <a:lstStyle/>
+          <a:p>
+            <a:r>
+              <a:rPr lang="en-ID" sz="2800" dirty="0" smtClean="0">
+                <a:solidFill>
+                  <a:schemeClr val="accent4"/>
+                </a:solidFill>
+                <a:latin typeface="Arial Black" panose="020B0A04020102020204" pitchFamily="34" charset="0"/>
+              </a:rPr>
+              <a:t>2x</a:t>
+            </a:r>
+            <a:endParaRPr lang="en-US" sz="2800" dirty="0">
+              <a:solidFill>
+                <a:schemeClr val="accent4"/>
+              </a:solidFill>
+              <a:latin typeface="Arial Black" panose="020B0A04020102020204" pitchFamily="34" charset="0"/>
             </a:endParaRPr>
           </a:p>
         </p:txBody>
@@ -30258,45 +30579,49 @@
               </a:spcAft>
             </a:pPr>
             <a:r>
-              <a:rPr lang="en-US" sz="4400">
-                <a:solidFill>
-                  <a:schemeClr val="accent4"/>
-                </a:solidFill>
-                <a:latin typeface="Arial Black" panose="020B0A04020102020204" pitchFamily="34" charset="0"/>
-              </a:rPr>
-              <a:t>Disarengan ikhlas ati</a:t>
-            </a:r>
-          </a:p>
-          <a:p>
-            <a:pPr marL="152400" indent="0" algn="l">
-              <a:spcAft>
-                <a:spcPts val="1200"/>
-              </a:spcAft>
-            </a:pPr>
-            <a:r>
-              <a:rPr lang="en-US" sz="4400">
-                <a:solidFill>
-                  <a:schemeClr val="accent4"/>
-                </a:solidFill>
-                <a:latin typeface="Arial Black" panose="020B0A04020102020204" pitchFamily="34" charset="0"/>
-              </a:rPr>
-              <a:t>Mugi ditampi ku Rama</a:t>
-            </a:r>
-          </a:p>
-          <a:p>
-            <a:pPr marL="152400" indent="0" algn="l">
-              <a:spcAft>
-                <a:spcPts val="1200"/>
-              </a:spcAft>
-            </a:pPr>
-            <a:r>
-              <a:rPr lang="en-US" sz="4400">
-                <a:solidFill>
-                  <a:schemeClr val="accent4"/>
-                </a:solidFill>
-                <a:latin typeface="Arial Black" panose="020B0A04020102020204" pitchFamily="34" charset="0"/>
-              </a:rPr>
-              <a:t>Kanggo munah dosa diri.</a:t>
+              <a:rPr lang="en-US" sz="4400" dirty="0" err="1">
+                <a:solidFill>
+                  <a:schemeClr val="accent4"/>
+                </a:solidFill>
+                <a:latin typeface="Arial Black" panose="020B0A04020102020204" pitchFamily="34" charset="0"/>
+              </a:rPr>
+              <a:t>Disarengan</a:t>
+            </a:r>
+            <a:r>
+              <a:rPr lang="en-US" sz="4400" dirty="0">
+                <a:solidFill>
+                  <a:schemeClr val="accent4"/>
+                </a:solidFill>
+                <a:latin typeface="Arial Black" panose="020B0A04020102020204" pitchFamily="34" charset="0"/>
+              </a:rPr>
+              <a:t> </a:t>
+            </a:r>
+            <a:r>
+              <a:rPr lang="en-US" sz="4400" dirty="0" err="1">
+                <a:solidFill>
+                  <a:schemeClr val="accent4"/>
+                </a:solidFill>
+                <a:latin typeface="Arial Black" panose="020B0A04020102020204" pitchFamily="34" charset="0"/>
+              </a:rPr>
+              <a:t>ikhlas</a:t>
+            </a:r>
+            <a:r>
+              <a:rPr lang="en-US" sz="4400" dirty="0">
+                <a:solidFill>
+                  <a:schemeClr val="accent4"/>
+                </a:solidFill>
+                <a:latin typeface="Arial Black" panose="020B0A04020102020204" pitchFamily="34" charset="0"/>
+              </a:rPr>
+              <a:t> </a:t>
+            </a:r>
+            <a:r>
+              <a:rPr lang="en-US" sz="4400" dirty="0" err="1">
+                <a:solidFill>
+                  <a:schemeClr val="accent4"/>
+                </a:solidFill>
+                <a:latin typeface="Arial Black" panose="020B0A04020102020204" pitchFamily="34" charset="0"/>
+              </a:rPr>
+              <a:t>ati</a:t>
             </a:r>
             <a:endParaRPr lang="en-US" sz="4400" dirty="0">
               <a:solidFill>
@@ -30304,6 +30629,146 @@
               </a:solidFill>
               <a:latin typeface="Arial Black" panose="020B0A04020102020204" pitchFamily="34" charset="0"/>
             </a:endParaRPr>
+          </a:p>
+          <a:p>
+            <a:pPr marL="152400" indent="0" algn="l">
+              <a:spcAft>
+                <a:spcPts val="1200"/>
+              </a:spcAft>
+            </a:pPr>
+            <a:r>
+              <a:rPr lang="en-US" sz="4400" dirty="0" err="1">
+                <a:solidFill>
+                  <a:schemeClr val="accent4"/>
+                </a:solidFill>
+                <a:latin typeface="Arial Black" panose="020B0A04020102020204" pitchFamily="34" charset="0"/>
+              </a:rPr>
+              <a:t>Mugi</a:t>
+            </a:r>
+            <a:r>
+              <a:rPr lang="en-US" sz="4400" dirty="0">
+                <a:solidFill>
+                  <a:schemeClr val="accent4"/>
+                </a:solidFill>
+                <a:latin typeface="Arial Black" panose="020B0A04020102020204" pitchFamily="34" charset="0"/>
+              </a:rPr>
+              <a:t> </a:t>
+            </a:r>
+            <a:r>
+              <a:rPr lang="en-US" sz="4400" dirty="0" err="1">
+                <a:solidFill>
+                  <a:schemeClr val="accent4"/>
+                </a:solidFill>
+                <a:latin typeface="Arial Black" panose="020B0A04020102020204" pitchFamily="34" charset="0"/>
+              </a:rPr>
+              <a:t>ditampi</a:t>
+            </a:r>
+            <a:r>
+              <a:rPr lang="en-US" sz="4400" dirty="0">
+                <a:solidFill>
+                  <a:schemeClr val="accent4"/>
+                </a:solidFill>
+                <a:latin typeface="Arial Black" panose="020B0A04020102020204" pitchFamily="34" charset="0"/>
+              </a:rPr>
+              <a:t> </a:t>
+            </a:r>
+            <a:r>
+              <a:rPr lang="en-US" sz="4400" dirty="0" err="1">
+                <a:solidFill>
+                  <a:schemeClr val="accent4"/>
+                </a:solidFill>
+                <a:latin typeface="Arial Black" panose="020B0A04020102020204" pitchFamily="34" charset="0"/>
+              </a:rPr>
+              <a:t>ku</a:t>
+            </a:r>
+            <a:r>
+              <a:rPr lang="en-US" sz="4400" dirty="0">
+                <a:solidFill>
+                  <a:schemeClr val="accent4"/>
+                </a:solidFill>
+                <a:latin typeface="Arial Black" panose="020B0A04020102020204" pitchFamily="34" charset="0"/>
+              </a:rPr>
+              <a:t> Rama</a:t>
+            </a:r>
+          </a:p>
+          <a:p>
+            <a:pPr marL="152400" indent="0" algn="l">
+              <a:spcAft>
+                <a:spcPts val="1200"/>
+              </a:spcAft>
+            </a:pPr>
+            <a:r>
+              <a:rPr lang="en-US" sz="4400" dirty="0" err="1">
+                <a:solidFill>
+                  <a:schemeClr val="accent4"/>
+                </a:solidFill>
+                <a:latin typeface="Arial Black" panose="020B0A04020102020204" pitchFamily="34" charset="0"/>
+              </a:rPr>
+              <a:t>Kanggo</a:t>
+            </a:r>
+            <a:r>
+              <a:rPr lang="en-US" sz="4400" dirty="0">
+                <a:solidFill>
+                  <a:schemeClr val="accent4"/>
+                </a:solidFill>
+                <a:latin typeface="Arial Black" panose="020B0A04020102020204" pitchFamily="34" charset="0"/>
+              </a:rPr>
+              <a:t> </a:t>
+            </a:r>
+            <a:r>
+              <a:rPr lang="en-US" sz="4400" dirty="0" err="1">
+                <a:solidFill>
+                  <a:schemeClr val="accent4"/>
+                </a:solidFill>
+                <a:latin typeface="Arial Black" panose="020B0A04020102020204" pitchFamily="34" charset="0"/>
+              </a:rPr>
+              <a:t>munah</a:t>
+            </a:r>
+            <a:r>
+              <a:rPr lang="en-US" sz="4400" dirty="0">
+                <a:solidFill>
+                  <a:schemeClr val="accent4"/>
+                </a:solidFill>
+                <a:latin typeface="Arial Black" panose="020B0A04020102020204" pitchFamily="34" charset="0"/>
+              </a:rPr>
+              <a:t> </a:t>
+            </a:r>
+            <a:r>
+              <a:rPr lang="en-US" sz="4400" dirty="0" err="1">
+                <a:solidFill>
+                  <a:schemeClr val="accent4"/>
+                </a:solidFill>
+                <a:latin typeface="Arial Black" panose="020B0A04020102020204" pitchFamily="34" charset="0"/>
+              </a:rPr>
+              <a:t>dosa</a:t>
+            </a:r>
+            <a:r>
+              <a:rPr lang="en-US" sz="4400" dirty="0">
+                <a:solidFill>
+                  <a:schemeClr val="accent4"/>
+                </a:solidFill>
+                <a:latin typeface="Arial Black" panose="020B0A04020102020204" pitchFamily="34" charset="0"/>
+              </a:rPr>
+              <a:t> </a:t>
+            </a:r>
+            <a:r>
+              <a:rPr lang="en-US" sz="4400" dirty="0" err="1">
+                <a:solidFill>
+                  <a:schemeClr val="accent4"/>
+                </a:solidFill>
+                <a:latin typeface="Arial Black" panose="020B0A04020102020204" pitchFamily="34" charset="0"/>
+              </a:rPr>
+              <a:t>diri</a:t>
+            </a:r>
+            <a:r>
+              <a:rPr lang="en-US" sz="4400" dirty="0">
+                <a:solidFill>
+                  <a:schemeClr val="accent4"/>
+                </a:solidFill>
+                <a:latin typeface="Arial Black" panose="020B0A04020102020204" pitchFamily="34" charset="0"/>
+              </a:rPr>
+              <a:t>.</a:t>
+            </a:r>
           </a:p>
         </p:txBody>
       </p:sp>
@@ -41345,7 +41810,7 @@
                 </a:solidFill>
                 <a:latin typeface="Arial Black" panose="020B0A04020102020204" pitchFamily="34" charset="0"/>
               </a:rPr>
-              <a:t>	)</a:t>
+              <a:t>	</a:t>
             </a:r>
           </a:p>
           <a:p>
@@ -41424,59 +41889,7 @@
                 </a:solidFill>
                 <a:latin typeface="Arial Black" panose="020B0A04020102020204" pitchFamily="34" charset="0"/>
               </a:rPr>
-              <a:t>  )</a:t>
-            </a:r>
-            <a:r>
-              <a:rPr lang="en-US" sz="4000" dirty="0">
-                <a:solidFill>
-                  <a:schemeClr val="accent4"/>
-                </a:solidFill>
-                <a:latin typeface="Arial Black" panose="020B0A04020102020204" pitchFamily="34" charset="0"/>
-              </a:rPr>
-              <a:t>2x</a:t>
-            </a:r>
-          </a:p>
-          <a:p>
-            <a:pPr marL="152400" indent="0" algn="l">
-              <a:spcAft>
-                <a:spcPts val="1200"/>
-              </a:spcAft>
-            </a:pPr>
-            <a:r>
-              <a:rPr lang="en-US" sz="4000" dirty="0" err="1" smtClean="0">
-                <a:solidFill>
-                  <a:schemeClr val="accent4"/>
-                </a:solidFill>
-                <a:latin typeface="Arial Black" panose="020B0A04020102020204" pitchFamily="34" charset="0"/>
-              </a:rPr>
-              <a:t>Alaeun</a:t>
-            </a:r>
-            <a:r>
-              <a:rPr lang="en-US" sz="4000" dirty="0" smtClean="0">
-                <a:solidFill>
-                  <a:schemeClr val="accent4"/>
-                </a:solidFill>
-                <a:latin typeface="Arial Black" panose="020B0A04020102020204" pitchFamily="34" charset="0"/>
-              </a:rPr>
-              <a:t> </a:t>
-            </a:r>
-            <a:r>
-              <a:rPr lang="en-US" sz="4000" dirty="0">
-                <a:solidFill>
-                  <a:schemeClr val="accent4"/>
-                </a:solidFill>
-                <a:latin typeface="Arial Black" panose="020B0A04020102020204" pitchFamily="34" charset="0"/>
-              </a:rPr>
-              <a:t>para </a:t>
-            </a:r>
-            <a:r>
-              <a:rPr lang="en-US" sz="4000" dirty="0" err="1">
-                <a:solidFill>
-                  <a:schemeClr val="accent4"/>
-                </a:solidFill>
-                <a:latin typeface="Arial Black" panose="020B0A04020102020204" pitchFamily="34" charset="0"/>
-              </a:rPr>
-              <a:t>umatna</a:t>
+              <a:t>  </a:t>
             </a:r>
             <a:endParaRPr lang="en-US" sz="4000" dirty="0">
               <a:solidFill>
@@ -41498,7 +41911,7 @@
                 </a:solidFill>
                 <a:latin typeface="Arial Black" panose="020B0A04020102020204" pitchFamily="34" charset="0"/>
               </a:rPr>
-              <a:t>Iraha</a:t>
+              <a:t>Alaeun</a:t>
             </a:r>
             <a:r>
               <a:rPr lang="en-US" sz="4000" dirty="0" smtClean="0">
@@ -41510,40 +41923,22 @@
               <a:t> </a:t>
             </a:r>
             <a:r>
+              <a:rPr lang="en-US" sz="4000" dirty="0">
+                <a:solidFill>
+                  <a:schemeClr val="accent4"/>
+                </a:solidFill>
+                <a:latin typeface="Arial Black" panose="020B0A04020102020204" pitchFamily="34" charset="0"/>
+              </a:rPr>
+              <a:t>para </a:t>
+            </a:r>
+            <a:r>
               <a:rPr lang="en-US" sz="4000" dirty="0" err="1">
                 <a:solidFill>
                   <a:schemeClr val="accent4"/>
                 </a:solidFill>
                 <a:latin typeface="Arial Black" panose="020B0A04020102020204" pitchFamily="34" charset="0"/>
               </a:rPr>
-              <a:t>bae</a:t>
-            </a:r>
-            <a:r>
-              <a:rPr lang="en-US" sz="4000" dirty="0">
-                <a:solidFill>
-                  <a:schemeClr val="accent4"/>
-                </a:solidFill>
-                <a:latin typeface="Arial Black" panose="020B0A04020102020204" pitchFamily="34" charset="0"/>
-              </a:rPr>
-              <a:t> </a:t>
-            </a:r>
-            <a:r>
-              <a:rPr lang="en-US" sz="4000" dirty="0" err="1">
-                <a:solidFill>
-                  <a:schemeClr val="accent4"/>
-                </a:solidFill>
-                <a:latin typeface="Arial Black" panose="020B0A04020102020204" pitchFamily="34" charset="0"/>
-              </a:rPr>
-              <a:t>waktosna</a:t>
-            </a:r>
-            <a:r>
-              <a:rPr lang="en-US" sz="4000" dirty="0">
-                <a:solidFill>
-                  <a:schemeClr val="accent4"/>
-                </a:solidFill>
-                <a:latin typeface="Arial Black" panose="020B0A04020102020204" pitchFamily="34" charset="0"/>
-              </a:rPr>
-              <a:t>.</a:t>
+              <a:t>umatna</a:t>
             </a:r>
             <a:endParaRPr lang="en-US" sz="4000" dirty="0">
               <a:solidFill>
@@ -41551,6 +41946,67 @@
               </a:solidFill>
               <a:latin typeface="Arial Black" panose="020B0A04020102020204" pitchFamily="34" charset="0"/>
             </a:endParaRPr>
+          </a:p>
+          <a:p>
+            <a:pPr marL="152400" indent="0" algn="l">
+              <a:spcAft>
+                <a:spcPts val="1200"/>
+              </a:spcAft>
+            </a:pPr>
+            <a:r>
+              <a:rPr lang="en-US" sz="4000" dirty="0" err="1" smtClean="0">
+                <a:solidFill>
+                  <a:schemeClr val="accent4"/>
+                </a:solidFill>
+                <a:latin typeface="Arial Black" panose="020B0A04020102020204" pitchFamily="34" charset="0"/>
+              </a:rPr>
+              <a:t>Iraha</a:t>
+            </a:r>
+            <a:r>
+              <a:rPr lang="en-US" sz="4000" dirty="0" smtClean="0">
+                <a:solidFill>
+                  <a:schemeClr val="accent4"/>
+                </a:solidFill>
+                <a:latin typeface="Arial Black" panose="020B0A04020102020204" pitchFamily="34" charset="0"/>
+              </a:rPr>
+              <a:t> </a:t>
+            </a:r>
+            <a:r>
+              <a:rPr lang="en-US" sz="4000" dirty="0" err="1">
+                <a:solidFill>
+                  <a:schemeClr val="accent4"/>
+                </a:solidFill>
+                <a:latin typeface="Arial Black" panose="020B0A04020102020204" pitchFamily="34" charset="0"/>
+              </a:rPr>
+              <a:t>bae</a:t>
+            </a:r>
+            <a:r>
+              <a:rPr lang="en-US" sz="4000" dirty="0">
+                <a:solidFill>
+                  <a:schemeClr val="accent4"/>
+                </a:solidFill>
+                <a:latin typeface="Arial Black" panose="020B0A04020102020204" pitchFamily="34" charset="0"/>
+              </a:rPr>
+              <a:t> </a:t>
+            </a:r>
+            <a:r>
+              <a:rPr lang="en-US" sz="4000" dirty="0" err="1">
+                <a:solidFill>
+                  <a:schemeClr val="accent4"/>
+                </a:solidFill>
+                <a:latin typeface="Arial Black" panose="020B0A04020102020204" pitchFamily="34" charset="0"/>
+              </a:rPr>
+              <a:t>waktosna</a:t>
+            </a:r>
+            <a:r>
+              <a:rPr lang="en-US" sz="4000" dirty="0">
+                <a:solidFill>
+                  <a:schemeClr val="accent4"/>
+                </a:solidFill>
+                <a:latin typeface="Arial Black" panose="020B0A04020102020204" pitchFamily="34" charset="0"/>
+              </a:rPr>
+              <a:t>.</a:t>
+            </a:r>
           </a:p>
         </p:txBody>
       </p:sp>
@@ -41888,6 +42344,89 @@
               <a:solidFill>
                 <a:schemeClr val="accent4"/>
               </a:solidFill>
+            </a:endParaRPr>
+          </a:p>
+        </p:txBody>
+      </p:sp>
+      <p:sp>
+        <p:nvSpPr>
+          <p:cNvPr id="2" name="Right Brace 1"/>
+          <p:cNvSpPr/>
+          <p:nvPr/>
+        </p:nvSpPr>
+        <p:spPr>
+          <a:xfrm>
+            <a:off x="7400261" y="1562986"/>
+            <a:ext cx="499730" cy="1041991"/>
+          </a:xfrm>
+          <a:prstGeom prst="rightBrace">
+            <a:avLst/>
+          </a:prstGeom>
+          <a:ln w="57150">
+            <a:solidFill>
+              <a:schemeClr val="accent4"/>
+            </a:solidFill>
+          </a:ln>
+        </p:spPr>
+        <p:style>
+          <a:lnRef idx="1">
+            <a:schemeClr val="accent1"/>
+          </a:lnRef>
+          <a:fillRef idx="0">
+            <a:schemeClr val="accent1"/>
+          </a:fillRef>
+          <a:effectRef idx="0">
+            <a:schemeClr val="accent1"/>
+          </a:effectRef>
+          <a:fontRef idx="minor">
+            <a:schemeClr val="tx1"/>
+          </a:fontRef>
+        </p:style>
+        <p:txBody>
+          <a:bodyPr rtlCol="0" anchor="ctr"/>
+          <a:lstStyle/>
+          <a:p>
+            <a:pPr algn="ctr"/>
+            <a:endParaRPr lang="en-US"/>
+          </a:p>
+        </p:txBody>
+      </p:sp>
+      <p:sp>
+        <p:nvSpPr>
+          <p:cNvPr id="3" name="TextBox 2"/>
+          <p:cNvSpPr txBox="1"/>
+          <p:nvPr/>
+        </p:nvSpPr>
+        <p:spPr>
+          <a:xfrm>
+            <a:off x="8016949" y="1818167"/>
+            <a:ext cx="797442" cy="584775"/>
+          </a:xfrm>
+          <a:prstGeom prst="rect">
+            <a:avLst/>
+          </a:prstGeom>
+          <a:noFill/>
+        </p:spPr>
+        <p:txBody>
+          <a:bodyPr wrap="square" rtlCol="0">
+            <a:spAutoFit/>
+          </a:bodyPr>
+          <a:lstStyle/>
+          <a:p>
+            <a:r>
+              <a:rPr lang="en-ID" sz="3200" dirty="0" smtClean="0">
+                <a:solidFill>
+                  <a:schemeClr val="accent4"/>
+                </a:solidFill>
+                <a:latin typeface="Arial Black" panose="020B0A04020102020204" pitchFamily="34" charset="0"/>
+              </a:rPr>
+              <a:t>2x</a:t>
+            </a:r>
+            <a:endParaRPr lang="en-US" sz="3200" dirty="0">
+              <a:solidFill>
+                <a:schemeClr val="accent4"/>
+              </a:solidFill>
+              <a:latin typeface="Arial Black" panose="020B0A04020102020204" pitchFamily="34" charset="0"/>
             </a:endParaRPr>
           </a:p>
         </p:txBody>
@@ -42812,7 +43351,7 @@
                 </a:solidFill>
                 <a:latin typeface="Arial Black" panose="020B0A04020102020204" pitchFamily="34" charset="0"/>
               </a:rPr>
-              <a:t> )</a:t>
+              <a:t> </a:t>
             </a:r>
             <a:endParaRPr lang="en-US" sz="4000" dirty="0">
               <a:solidFill>
@@ -42906,59 +43445,7 @@
                 </a:solidFill>
                 <a:latin typeface="Arial Black" panose="020B0A04020102020204" pitchFamily="34" charset="0"/>
               </a:rPr>
-              <a:t>  )</a:t>
-            </a:r>
-            <a:r>
-              <a:rPr lang="en-US" sz="4000" dirty="0">
-                <a:solidFill>
-                  <a:schemeClr val="accent4"/>
-                </a:solidFill>
-                <a:latin typeface="Arial Black" panose="020B0A04020102020204" pitchFamily="34" charset="0"/>
-              </a:rPr>
-              <a:t>2x</a:t>
-            </a:r>
-          </a:p>
-          <a:p>
-            <a:pPr marL="152400" indent="0" algn="l">
-              <a:spcAft>
-                <a:spcPts val="1200"/>
-              </a:spcAft>
-            </a:pPr>
-            <a:r>
-              <a:rPr lang="en-US" sz="4000" dirty="0" smtClean="0">
-                <a:solidFill>
-                  <a:schemeClr val="accent4"/>
-                </a:solidFill>
-                <a:latin typeface="Arial Black" panose="020B0A04020102020204" pitchFamily="34" charset="0"/>
-              </a:rPr>
-              <a:t>Abdi </a:t>
-            </a:r>
-            <a:r>
-              <a:rPr lang="en-US" sz="4000" dirty="0" err="1">
-                <a:solidFill>
-                  <a:schemeClr val="accent4"/>
-                </a:solidFill>
-                <a:latin typeface="Arial Black" panose="020B0A04020102020204" pitchFamily="34" charset="0"/>
-              </a:rPr>
-              <a:t>nuhunkeun</a:t>
-            </a:r>
-            <a:r>
-              <a:rPr lang="en-US" sz="4000" dirty="0">
-                <a:solidFill>
-                  <a:schemeClr val="accent4"/>
-                </a:solidFill>
-                <a:latin typeface="Arial Black" panose="020B0A04020102020204" pitchFamily="34" charset="0"/>
-              </a:rPr>
-              <a:t> </a:t>
-            </a:r>
-            <a:r>
-              <a:rPr lang="en-US" sz="4000" dirty="0" err="1">
-                <a:solidFill>
-                  <a:schemeClr val="accent4"/>
-                </a:solidFill>
-                <a:latin typeface="Arial Black" panose="020B0A04020102020204" pitchFamily="34" charset="0"/>
-              </a:rPr>
-              <a:t>katampi</a:t>
+              <a:t>    </a:t>
             </a:r>
             <a:endParaRPr lang="en-US" sz="4000" dirty="0">
               <a:solidFill>
@@ -42980,6 +43467,55 @@
                 </a:solidFill>
                 <a:latin typeface="Arial Black" panose="020B0A04020102020204" pitchFamily="34" charset="0"/>
               </a:rPr>
+              <a:t>Abdi </a:t>
+            </a:r>
+            <a:r>
+              <a:rPr lang="en-US" sz="4000" dirty="0" err="1">
+                <a:solidFill>
+                  <a:schemeClr val="accent4"/>
+                </a:solidFill>
+                <a:latin typeface="Arial Black" panose="020B0A04020102020204" pitchFamily="34" charset="0"/>
+              </a:rPr>
+              <a:t>nuhunkeun</a:t>
+            </a:r>
+            <a:r>
+              <a:rPr lang="en-US" sz="4000" dirty="0">
+                <a:solidFill>
+                  <a:schemeClr val="accent4"/>
+                </a:solidFill>
+                <a:latin typeface="Arial Black" panose="020B0A04020102020204" pitchFamily="34" charset="0"/>
+              </a:rPr>
+              <a:t> </a:t>
+            </a:r>
+            <a:r>
+              <a:rPr lang="en-US" sz="4000" dirty="0" err="1">
+                <a:solidFill>
+                  <a:schemeClr val="accent4"/>
+                </a:solidFill>
+                <a:latin typeface="Arial Black" panose="020B0A04020102020204" pitchFamily="34" charset="0"/>
+              </a:rPr>
+              <a:t>katampi</a:t>
+            </a:r>
+            <a:endParaRPr lang="en-US" sz="4000" dirty="0">
+              <a:solidFill>
+                <a:schemeClr val="accent4"/>
+              </a:solidFill>
+              <a:latin typeface="Arial Black" panose="020B0A04020102020204" pitchFamily="34" charset="0"/>
+            </a:endParaRPr>
+          </a:p>
+          <a:p>
+            <a:pPr marL="152400" indent="0" algn="l">
+              <a:spcAft>
+                <a:spcPts val="1200"/>
+              </a:spcAft>
+            </a:pPr>
+            <a:r>
+              <a:rPr lang="en-US" sz="4000" dirty="0" smtClean="0">
+                <a:solidFill>
+                  <a:schemeClr val="accent4"/>
+                </a:solidFill>
+                <a:latin typeface="Arial Black" panose="020B0A04020102020204" pitchFamily="34" charset="0"/>
+              </a:rPr>
               <a:t>Tiasa </a:t>
             </a:r>
             <a:r>
@@ -43010,6 +43546,89 @@
               <a:t>komuni</a:t>
             </a:r>
             <a:endParaRPr lang="en-US" sz="4000" dirty="0">
+              <a:solidFill>
+                <a:schemeClr val="accent4"/>
+              </a:solidFill>
+              <a:latin typeface="Arial Black" panose="020B0A04020102020204" pitchFamily="34" charset="0"/>
+            </a:endParaRPr>
+          </a:p>
+        </p:txBody>
+      </p:sp>
+      <p:sp>
+        <p:nvSpPr>
+          <p:cNvPr id="3" name="Right Brace 2"/>
+          <p:cNvSpPr/>
+          <p:nvPr/>
+        </p:nvSpPr>
+        <p:spPr>
+          <a:xfrm>
+            <a:off x="7410894" y="1169582"/>
+            <a:ext cx="499730" cy="1041991"/>
+          </a:xfrm>
+          <a:prstGeom prst="rightBrace">
+            <a:avLst/>
+          </a:prstGeom>
+          <a:ln w="57150">
+            <a:solidFill>
+              <a:schemeClr val="accent4"/>
+            </a:solidFill>
+          </a:ln>
+        </p:spPr>
+        <p:style>
+          <a:lnRef idx="1">
+            <a:schemeClr val="accent1"/>
+          </a:lnRef>
+          <a:fillRef idx="0">
+            <a:schemeClr val="accent1"/>
+          </a:fillRef>
+          <a:effectRef idx="0">
+            <a:schemeClr val="accent1"/>
+          </a:effectRef>
+          <a:fontRef idx="minor">
+            <a:schemeClr val="tx1"/>
+          </a:fontRef>
+        </p:style>
+        <p:txBody>
+          <a:bodyPr rtlCol="0" anchor="ctr"/>
+          <a:lstStyle/>
+          <a:p>
+            <a:pPr algn="ctr"/>
+            <a:endParaRPr lang="en-US"/>
+          </a:p>
+        </p:txBody>
+      </p:sp>
+      <p:sp>
+        <p:nvSpPr>
+          <p:cNvPr id="4" name="TextBox 3"/>
+          <p:cNvSpPr txBox="1"/>
+          <p:nvPr/>
+        </p:nvSpPr>
+        <p:spPr>
+          <a:xfrm>
+            <a:off x="8091377" y="1398189"/>
+            <a:ext cx="797442" cy="584775"/>
+          </a:xfrm>
+          <a:prstGeom prst="rect">
+            <a:avLst/>
+          </a:prstGeom>
+          <a:noFill/>
+        </p:spPr>
+        <p:txBody>
+          <a:bodyPr wrap="square" rtlCol="0">
+            <a:spAutoFit/>
+          </a:bodyPr>
+          <a:lstStyle/>
+          <a:p>
+            <a:r>
+              <a:rPr lang="en-ID" sz="3200" dirty="0" smtClean="0">
+                <a:solidFill>
+                  <a:schemeClr val="accent4"/>
+                </a:solidFill>
+                <a:latin typeface="Arial Black" panose="020B0A04020102020204" pitchFamily="34" charset="0"/>
+              </a:rPr>
+              <a:t>2x</a:t>
+            </a:r>
+            <a:endParaRPr lang="en-US" sz="3200" dirty="0">
               <a:solidFill>
                 <a:schemeClr val="accent4"/>
               </a:solidFill>
@@ -43396,15 +44015,6 @@
               </a:rPr>
               <a:t>srangenge</a:t>
             </a:r>
-            <a:r>
-              <a:rPr lang="en-US" sz="4000" dirty="0" smtClean="0">
-                <a:solidFill>
-                  <a:schemeClr val="accent4"/>
-                </a:solidFill>
-                <a:latin typeface="Arial Black" panose="020B0A04020102020204" pitchFamily="34" charset="0"/>
-              </a:rPr>
-              <a:t>)</a:t>
-            </a:r>
             <a:endParaRPr lang="en-US" sz="4000" dirty="0">
               <a:solidFill>
                 <a:schemeClr val="accent4"/>
@@ -43472,6 +44082,13 @@
               </a:rPr>
               <a:t>  </a:t>
             </a:r>
+          </a:p>
+          <a:p>
+            <a:pPr marL="152400" indent="0" algn="l">
+              <a:spcAft>
+                <a:spcPts val="1200"/>
+              </a:spcAft>
+            </a:pPr>
             <a:r>
               <a:rPr lang="en-US" sz="4000" dirty="0" smtClean="0">
                 <a:solidFill>
@@ -43479,7 +44096,95 @@
                 </a:solidFill>
                 <a:latin typeface="Arial Black" panose="020B0A04020102020204" pitchFamily="34" charset="0"/>
               </a:rPr>
-              <a:t>)2x</a:t>
+              <a:t>Abdi </a:t>
+            </a:r>
+            <a:r>
+              <a:rPr lang="en-US" sz="4000" dirty="0" err="1" smtClean="0">
+                <a:solidFill>
+                  <a:schemeClr val="accent4"/>
+                </a:solidFill>
+                <a:latin typeface="Arial Black" panose="020B0A04020102020204" pitchFamily="34" charset="0"/>
+              </a:rPr>
+              <a:t>hoyong</a:t>
+            </a:r>
+            <a:r>
+              <a:rPr lang="en-US" sz="4000" dirty="0" smtClean="0">
+                <a:solidFill>
+                  <a:schemeClr val="accent4"/>
+                </a:solidFill>
+                <a:latin typeface="Arial Black" panose="020B0A04020102020204" pitchFamily="34" charset="0"/>
+              </a:rPr>
+              <a:t> </a:t>
+            </a:r>
+            <a:r>
+              <a:rPr lang="en-US" sz="4000" dirty="0" err="1" smtClean="0">
+                <a:solidFill>
+                  <a:schemeClr val="accent4"/>
+                </a:solidFill>
+                <a:latin typeface="Arial Black" panose="020B0A04020102020204" pitchFamily="34" charset="0"/>
+              </a:rPr>
+              <a:t>kacaangan</a:t>
+            </a:r>
+            <a:r>
+              <a:rPr lang="en-US" sz="4000" dirty="0" smtClean="0">
+                <a:solidFill>
+                  <a:schemeClr val="accent4"/>
+                </a:solidFill>
+                <a:latin typeface="Arial Black" panose="020B0A04020102020204" pitchFamily="34" charset="0"/>
+              </a:rPr>
+              <a:t> </a:t>
+            </a:r>
+          </a:p>
+          <a:p>
+            <a:pPr marL="152400" indent="0" algn="l">
+              <a:spcAft>
+                <a:spcPts val="1200"/>
+              </a:spcAft>
+            </a:pPr>
+            <a:r>
+              <a:rPr lang="en-US" sz="4000" dirty="0" err="1" smtClean="0">
+                <a:solidFill>
+                  <a:schemeClr val="accent4"/>
+                </a:solidFill>
+                <a:latin typeface="Arial Black" panose="020B0A04020102020204" pitchFamily="34" charset="0"/>
+              </a:rPr>
+              <a:t>Kasorot</a:t>
+            </a:r>
+            <a:r>
+              <a:rPr lang="en-US" sz="4000" dirty="0" smtClean="0">
+                <a:solidFill>
+                  <a:schemeClr val="accent4"/>
+                </a:solidFill>
+                <a:latin typeface="Arial Black" panose="020B0A04020102020204" pitchFamily="34" charset="0"/>
+              </a:rPr>
+              <a:t> </a:t>
+            </a:r>
+            <a:r>
+              <a:rPr lang="en-US" sz="4000" dirty="0" err="1">
+                <a:solidFill>
+                  <a:schemeClr val="accent4"/>
+                </a:solidFill>
+                <a:latin typeface="Arial Black" panose="020B0A04020102020204" pitchFamily="34" charset="0"/>
+              </a:rPr>
+              <a:t>ku</a:t>
+            </a:r>
+            <a:r>
+              <a:rPr lang="en-US" sz="4000" dirty="0">
+                <a:solidFill>
+                  <a:schemeClr val="accent4"/>
+                </a:solidFill>
+                <a:latin typeface="Arial Black" panose="020B0A04020102020204" pitchFamily="34" charset="0"/>
+              </a:rPr>
+              <a:t> </a:t>
+            </a:r>
+            <a:r>
+              <a:rPr lang="en-US" sz="4000" dirty="0" err="1">
+                <a:solidFill>
+                  <a:schemeClr val="accent4"/>
+                </a:solidFill>
+                <a:latin typeface="Arial Black" panose="020B0A04020102020204" pitchFamily="34" charset="0"/>
+              </a:rPr>
+              <a:t>kaberkahan</a:t>
             </a:r>
             <a:endParaRPr lang="en-US" sz="4000" dirty="0">
               <a:solidFill>
@@ -43488,92 +44193,83 @@
               <a:latin typeface="Arial Black" panose="020B0A04020102020204" pitchFamily="34" charset="0"/>
             </a:endParaRPr>
           </a:p>
+        </p:txBody>
+      </p:sp>
+      <p:sp>
+        <p:nvSpPr>
+          <p:cNvPr id="3" name="Right Brace 2"/>
+          <p:cNvSpPr/>
+          <p:nvPr/>
+        </p:nvSpPr>
+        <p:spPr>
+          <a:xfrm>
+            <a:off x="7846828" y="1169580"/>
+            <a:ext cx="499730" cy="1041991"/>
+          </a:xfrm>
+          <a:prstGeom prst="rightBrace">
+            <a:avLst/>
+          </a:prstGeom>
+          <a:ln w="57150">
+            <a:solidFill>
+              <a:schemeClr val="accent4"/>
+            </a:solidFill>
+          </a:ln>
+        </p:spPr>
+        <p:style>
+          <a:lnRef idx="1">
+            <a:schemeClr val="accent1"/>
+          </a:lnRef>
+          <a:fillRef idx="0">
+            <a:schemeClr val="accent1"/>
+          </a:fillRef>
+          <a:effectRef idx="0">
+            <a:schemeClr val="accent1"/>
+          </a:effectRef>
+          <a:fontRef idx="minor">
+            <a:schemeClr val="tx1"/>
+          </a:fontRef>
+        </p:style>
+        <p:txBody>
+          <a:bodyPr rtlCol="0" anchor="ctr"/>
+          <a:lstStyle/>
           <a:p>
-            <a:pPr marL="152400" indent="0" algn="l">
-              <a:spcAft>
-                <a:spcPts val="1200"/>
-              </a:spcAft>
-            </a:pPr>
-            <a:r>
-              <a:rPr lang="en-US" sz="4000" dirty="0" smtClean="0">
-                <a:solidFill>
-                  <a:schemeClr val="accent4"/>
-                </a:solidFill>
-                <a:latin typeface="Arial Black" panose="020B0A04020102020204" pitchFamily="34" charset="0"/>
-              </a:rPr>
-              <a:t>Abdi </a:t>
-            </a:r>
-            <a:r>
-              <a:rPr lang="en-US" sz="4000" dirty="0" err="1" smtClean="0">
-                <a:solidFill>
-                  <a:schemeClr val="accent4"/>
-                </a:solidFill>
-                <a:latin typeface="Arial Black" panose="020B0A04020102020204" pitchFamily="34" charset="0"/>
-              </a:rPr>
-              <a:t>hoyongkacaangan</a:t>
-            </a:r>
-            <a:r>
-              <a:rPr lang="en-US" sz="4000" dirty="0" smtClean="0">
-                <a:solidFill>
-                  <a:schemeClr val="accent4"/>
-                </a:solidFill>
-                <a:latin typeface="Arial Black" panose="020B0A04020102020204" pitchFamily="34" charset="0"/>
-              </a:rPr>
-              <a:t> </a:t>
-            </a:r>
+            <a:pPr algn="ctr"/>
+            <a:endParaRPr lang="en-US"/>
           </a:p>
+        </p:txBody>
+      </p:sp>
+      <p:sp>
+        <p:nvSpPr>
+          <p:cNvPr id="4" name="TextBox 3"/>
+          <p:cNvSpPr txBox="1"/>
+          <p:nvPr/>
+        </p:nvSpPr>
+        <p:spPr>
+          <a:xfrm>
+            <a:off x="8346558" y="1398189"/>
+            <a:ext cx="797442" cy="584775"/>
+          </a:xfrm>
+          <a:prstGeom prst="rect">
+            <a:avLst/>
+          </a:prstGeom>
+          <a:noFill/>
+        </p:spPr>
+        <p:txBody>
+          <a:bodyPr wrap="square" rtlCol="0">
+            <a:spAutoFit/>
+          </a:bodyPr>
+          <a:lstStyle/>
           <a:p>
-            <a:pPr marL="152400" indent="0" algn="l">
-              <a:spcAft>
-                <a:spcPts val="1200"/>
-              </a:spcAft>
-            </a:pPr>
-            <a:r>
-              <a:rPr lang="en-US" sz="4000" dirty="0" err="1" smtClean="0">
-                <a:solidFill>
-                  <a:schemeClr val="accent4"/>
-                </a:solidFill>
-                <a:latin typeface="Arial Black" panose="020B0A04020102020204" pitchFamily="34" charset="0"/>
-              </a:rPr>
-              <a:t>Kasorot</a:t>
-            </a:r>
-            <a:r>
-              <a:rPr lang="en-US" sz="4000" dirty="0" smtClean="0">
-                <a:solidFill>
-                  <a:schemeClr val="accent4"/>
-                </a:solidFill>
-                <a:latin typeface="Arial Black" panose="020B0A04020102020204" pitchFamily="34" charset="0"/>
-              </a:rPr>
-              <a:t> </a:t>
-            </a:r>
-            <a:r>
-              <a:rPr lang="en-US" sz="4000" dirty="0" err="1">
-                <a:solidFill>
-                  <a:schemeClr val="accent4"/>
-                </a:solidFill>
-                <a:latin typeface="Arial Black" panose="020B0A04020102020204" pitchFamily="34" charset="0"/>
-              </a:rPr>
-              <a:t>ku</a:t>
-            </a:r>
-            <a:r>
-              <a:rPr lang="en-US" sz="4000" dirty="0">
-                <a:solidFill>
-                  <a:schemeClr val="accent4"/>
-                </a:solidFill>
-                <a:latin typeface="Arial Black" panose="020B0A04020102020204" pitchFamily="34" charset="0"/>
-              </a:rPr>
-              <a:t> </a:t>
-            </a:r>
-            <a:r>
-              <a:rPr lang="en-US" sz="4000" dirty="0" err="1">
-                <a:solidFill>
-                  <a:schemeClr val="accent4"/>
-                </a:solidFill>
-                <a:latin typeface="Arial Black" panose="020B0A04020102020204" pitchFamily="34" charset="0"/>
-              </a:rPr>
-              <a:t>kaberkahan</a:t>
-            </a:r>
-            <a:endParaRPr lang="en-US" sz="4000" dirty="0">
+            <a:r>
+              <a:rPr lang="en-ID" sz="3200" dirty="0" smtClean="0">
+                <a:solidFill>
+                  <a:schemeClr val="accent4"/>
+                </a:solidFill>
+                <a:latin typeface="Arial Black" panose="020B0A04020102020204" pitchFamily="34" charset="0"/>
+              </a:rPr>
+              <a:t>2x</a:t>
+            </a:r>
+            <a:endParaRPr lang="en-US" sz="3200" dirty="0">
               <a:solidFill>
                 <a:schemeClr val="accent4"/>
               </a:solidFill>
@@ -43913,7 +44609,7 @@
                 </a:solidFill>
                 <a:latin typeface="Arial Black" panose="020B0A04020102020204" pitchFamily="34" charset="0"/>
               </a:rPr>
-              <a:t>Pangeran</a:t>
+              <a:t>Pangèran</a:t>
             </a:r>
             <a:r>
               <a:rPr lang="en-US" sz="4000" dirty="0">
@@ -43924,12 +44620,6 @@
               </a:rPr>
               <a:t>, </a:t>
             </a:r>
-            <a:endParaRPr lang="en-US" sz="4000" dirty="0" smtClean="0">
-              <a:solidFill>
-                <a:schemeClr val="accent4"/>
-              </a:solidFill>
-              <a:latin typeface="Arial Black" panose="020B0A04020102020204" pitchFamily="34" charset="0"/>
-            </a:endParaRPr>
           </a:p>
           <a:p>
             <a:pPr marL="152400" indent="0" algn="l">
@@ -43938,7 +44628,7 @@
               </a:spcAft>
             </a:pPr>
             <a:r>
-              <a:rPr lang="en-US" sz="4000" dirty="0" err="1" smtClean="0">
+              <a:rPr lang="en-US" sz="4000" dirty="0" err="1">
                 <a:solidFill>
                   <a:schemeClr val="accent4"/>
                 </a:solidFill>
@@ -43947,7 +44637,7 @@
               <a:t>Gusti</a:t>
             </a:r>
             <a:r>
-              <a:rPr lang="en-US" sz="4000" dirty="0" smtClean="0">
+              <a:rPr lang="en-US" sz="4000" dirty="0">
                 <a:solidFill>
                   <a:schemeClr val="accent4"/>
                 </a:solidFill>
@@ -43962,7 +44652,25 @@
                 </a:solidFill>
                 <a:latin typeface="Arial Black" panose="020B0A04020102020204" pitchFamily="34" charset="0"/>
               </a:rPr>
-              <a:t>Mahasuci</a:t>
+              <a:t>Maha</a:t>
+            </a:r>
+            <a:r>
+              <a:rPr lang="en-US" sz="4000" dirty="0">
+                <a:solidFill>
+                  <a:schemeClr val="accent4"/>
+                </a:solidFill>
+                <a:latin typeface="Arial Black" panose="020B0A04020102020204" pitchFamily="34" charset="0"/>
+              </a:rPr>
+              <a:t> </a:t>
+            </a:r>
+            <a:r>
+              <a:rPr lang="en-US" sz="4000" dirty="0" err="1">
+                <a:solidFill>
+                  <a:schemeClr val="accent4"/>
+                </a:solidFill>
+                <a:latin typeface="Arial Black" panose="020B0A04020102020204" pitchFamily="34" charset="0"/>
+              </a:rPr>
+              <a:t>Suci</a:t>
             </a:r>
             <a:endParaRPr lang="en-US" sz="4000" dirty="0">
               <a:solidFill>
@@ -44051,7 +44759,7 @@
                 </a:solidFill>
                 <a:latin typeface="Arial Black" panose="020B0A04020102020204" pitchFamily="34" charset="0"/>
               </a:rPr>
-              <a:t>ngestokeun</a:t>
+              <a:t>ngéstokeun</a:t>
             </a:r>
             <a:r>
               <a:rPr lang="en-US" sz="4000" dirty="0">
@@ -44087,7 +44795,7 @@
                 </a:solidFill>
                 <a:latin typeface="Arial Black" panose="020B0A04020102020204" pitchFamily="34" charset="0"/>
               </a:rPr>
-              <a:t>sae</a:t>
+              <a:t>saé</a:t>
             </a:r>
             <a:endParaRPr lang="en-US" sz="4000" dirty="0">
               <a:solidFill>
@@ -44757,12 +45465,6 @@
               </a:rPr>
               <a:t> </a:t>
             </a:r>
-            <a:endParaRPr lang="en-US" sz="4000" dirty="0" smtClean="0">
-              <a:solidFill>
-                <a:schemeClr val="accent4"/>
-              </a:solidFill>
-              <a:latin typeface="Arial Black" panose="020B0A04020102020204" pitchFamily="34" charset="0"/>
-            </a:endParaRPr>
           </a:p>
           <a:p>
             <a:pPr marL="152400" indent="0" algn="l">
@@ -44771,7 +45473,7 @@
               </a:spcAft>
             </a:pPr>
             <a:r>
-              <a:rPr lang="en-US" sz="4000" dirty="0" err="1" smtClean="0">
+              <a:rPr lang="en-US" sz="4000" dirty="0" err="1">
                 <a:solidFill>
                   <a:schemeClr val="accent4"/>
                 </a:solidFill>
@@ -44780,7 +45482,7 @@
               <a:t>hirup</a:t>
             </a:r>
             <a:r>
-              <a:rPr lang="en-US" sz="4000" dirty="0" smtClean="0">
+              <a:rPr lang="en-US" sz="4000" dirty="0">
                 <a:solidFill>
                   <a:schemeClr val="accent4"/>
                 </a:solidFill>
@@ -44875,7 +45577,7 @@
                 </a:solidFill>
                 <a:latin typeface="Arial Black" panose="020B0A04020102020204" pitchFamily="34" charset="0"/>
               </a:rPr>
-              <a:t>Yesus</a:t>
+              <a:t>Yèsus</a:t>
             </a:r>
             <a:r>
               <a:rPr lang="en-US" sz="4000" dirty="0">
@@ -44896,7 +45598,7 @@
               <a:t>Kristus</a:t>
             </a:r>
             <a:r>
-              <a:rPr lang="en-US" sz="4000" dirty="0">
+              <a:rPr lang="en-US" sz="4000">
                 <a:solidFill>
                   <a:schemeClr val="accent4"/>
                 </a:solidFill>
